--- a/docs/Presentations/WestEastMilestone2Presentation_v1.pptx
+++ b/docs/Presentations/WestEastMilestone2Presentation_v1.pptx
@@ -15,8 +15,11 @@
     <p:sldId id="266" r:id="rId9"/>
     <p:sldId id="284" r:id="rId10"/>
     <p:sldId id="276" r:id="rId11"/>
-    <p:sldId id="277" r:id="rId12"/>
-    <p:sldId id="264" r:id="rId13"/>
+    <p:sldId id="288" r:id="rId12"/>
+    <p:sldId id="289" r:id="rId13"/>
+    <p:sldId id="277" r:id="rId14"/>
+    <p:sldId id="287" r:id="rId15"/>
+    <p:sldId id="264" r:id="rId16"/>
   </p:sldIdLst>
   <p:sldSz cx="9144000" cy="6858000" type="screen4x3"/>
   <p:notesSz cx="6858000" cy="9144000"/>
@@ -4209,36 +4212,118 @@
                 </a:solidFill>
                 <a:latin typeface="Arial"/>
               </a:rPr>
-              <a:t>Design </a:t>
-            </a:r>
-            <a:r>
-              <a:rPr lang="en-US" sz="4000" dirty="0" smtClean="0">
-                <a:solidFill>
-                  <a:srgbClr val="D2533C"/>
-                </a:solidFill>
-                <a:latin typeface="Arial"/>
-              </a:rPr>
-              <a:t>- </a:t>
-            </a:r>
-            <a:r>
-              <a:rPr lang="en-US" sz="4000" dirty="0" smtClean="0">
-                <a:solidFill>
-                  <a:srgbClr val="D2533C"/>
-                </a:solidFill>
-                <a:latin typeface="Arial"/>
-              </a:rPr>
-              <a:t>Web </a:t>
-            </a:r>
-            <a:r>
-              <a:rPr lang="en-US" sz="4000" dirty="0" smtClean="0">
-                <a:solidFill>
-                  <a:srgbClr val="D2533C"/>
-                </a:solidFill>
-                <a:latin typeface="Arial"/>
-              </a:rPr>
-              <a:t>Service Interfaces</a:t>
+              <a:t>Features for Milestone 3</a:t>
             </a:r>
             <a:endParaRPr dirty="0"/>
+          </a:p>
+        </p:txBody>
+      </p:sp>
+      <p:sp>
+        <p:nvSpPr>
+          <p:cNvPr id="3" name="TextBox 2"/>
+          <p:cNvSpPr txBox="1"/>
+          <p:nvPr/>
+        </p:nvSpPr>
+        <p:spPr>
+          <a:xfrm>
+            <a:off x="622300" y="1523880"/>
+            <a:ext cx="7886700" cy="4708981"/>
+          </a:xfrm>
+          <a:prstGeom prst="rect">
+            <a:avLst/>
+          </a:prstGeom>
+          <a:noFill/>
+        </p:spPr>
+        <p:txBody>
+          <a:bodyPr wrap="square" rtlCol="0">
+            <a:spAutoFit/>
+          </a:bodyPr>
+          <a:lstStyle/>
+          <a:p>
+            <a:pPr marL="285750" indent="-285750">
+              <a:buFont typeface="Arial"/>
+              <a:buChar char="•"/>
+            </a:pPr>
+            <a:r>
+              <a:rPr lang="en-US" sz="2400" dirty="0" smtClean="0"/>
+              <a:t>Singe Dose Response Curve</a:t>
+            </a:r>
+          </a:p>
+          <a:p>
+            <a:endParaRPr lang="en-US" sz="2400" dirty="0" smtClean="0"/>
+          </a:p>
+          <a:p>
+            <a:pPr marL="285750" indent="-285750">
+              <a:buFont typeface="Arial"/>
+              <a:buChar char="•"/>
+            </a:pPr>
+            <a:r>
+              <a:rPr lang="en-US" sz="2400" dirty="0" smtClean="0"/>
+              <a:t>Interactive Dose Response Curve</a:t>
+            </a:r>
+          </a:p>
+          <a:p>
+            <a:pPr marL="742950" lvl="1" indent="-285750">
+              <a:buFont typeface="Arial"/>
+              <a:buChar char="•"/>
+            </a:pPr>
+            <a:r>
+              <a:rPr lang="en-US" sz="2400" dirty="0" smtClean="0"/>
+              <a:t>Knock-out points</a:t>
+            </a:r>
+          </a:p>
+          <a:p>
+            <a:pPr marL="742950" lvl="1" indent="-285750">
+              <a:buFont typeface="Arial"/>
+              <a:buChar char="•"/>
+            </a:pPr>
+            <a:r>
+              <a:rPr lang="en-US" sz="2400" dirty="0" smtClean="0"/>
+              <a:t>Curve Fit – Modify Parameters on Single or Selection of Curves</a:t>
+            </a:r>
+          </a:p>
+          <a:p>
+            <a:pPr lvl="1"/>
+            <a:endParaRPr lang="en-US" sz="2400" dirty="0" smtClean="0"/>
+          </a:p>
+          <a:p>
+            <a:pPr marL="285750" indent="-285750">
+              <a:buFont typeface="Arial"/>
+              <a:buChar char="•"/>
+            </a:pPr>
+            <a:r>
+              <a:rPr lang="en-US" sz="2400" dirty="0" smtClean="0"/>
+              <a:t>Curve Fitting</a:t>
+            </a:r>
+          </a:p>
+          <a:p>
+            <a:endParaRPr lang="en-US" sz="2400" dirty="0" smtClean="0"/>
+          </a:p>
+          <a:p>
+            <a:pPr marL="285750" indent="-285750">
+              <a:buFont typeface="Arial"/>
+              <a:buChar char="•"/>
+            </a:pPr>
+            <a:r>
+              <a:rPr lang="en-US" sz="2400" dirty="0" smtClean="0"/>
+              <a:t>Multiple Curve Display</a:t>
+            </a:r>
+          </a:p>
+          <a:p>
+            <a:pPr marL="742950" lvl="1" indent="-285750">
+              <a:buFont typeface="Arial"/>
+              <a:buChar char="•"/>
+            </a:pPr>
+            <a:r>
+              <a:rPr lang="en-US" sz="2400" dirty="0" smtClean="0"/>
+              <a:t> Compare Curves on Top of each other</a:t>
+            </a:r>
+          </a:p>
+          <a:p>
+            <a:endParaRPr lang="en-US" dirty="0" smtClean="0"/>
+          </a:p>
+          <a:p>
+            <a:endParaRPr lang="en-US" dirty="0"/>
           </a:p>
         </p:txBody>
       </p:sp>
@@ -4301,7 +4386,7 @@
       </p:grpSpPr>
       <p:sp>
         <p:nvSpPr>
-          <p:cNvPr id="156" name="TextShape 1"/>
+          <p:cNvPr id="150" name="TextShape 1"/>
           <p:cNvSpPr txBox="1"/>
           <p:nvPr/>
         </p:nvSpPr>
@@ -4334,46 +4419,238 @@
                 </a:solidFill>
                 <a:latin typeface="Arial"/>
               </a:rPr>
-              <a:t>Design – Domain Model</a:t>
+              <a:t>Domain Model</a:t>
             </a:r>
             <a:endParaRPr dirty="0"/>
           </a:p>
         </p:txBody>
       </p:sp>
-      <p:sp>
-        <p:nvSpPr>
-          <p:cNvPr id="157" name="TextShape 2"/>
-          <p:cNvSpPr txBox="1"/>
+      <p:pic>
+        <p:nvPicPr>
+          <p:cNvPr id="20" name="Content Placeholder 3" descr="classes.png"/>
+          <p:cNvPicPr>
+            <a:picLocks noChangeAspect="1"/>
+          </p:cNvPicPr>
           <p:nvPr/>
-        </p:nvSpPr>
+        </p:nvPicPr>
+        <p:blipFill>
+          <a:blip r:embed="rId2">
+            <a:extLst>
+              <a:ext uri="{28A0092B-C50C-407E-A947-70E740481C1C}">
+                <a14:useLocalDpi xmlns:a14="http://schemas.microsoft.com/office/drawing/2010/main" val="0"/>
+              </a:ext>
+            </a:extLst>
+          </a:blip>
+          <a:srcRect l="-9851" r="-9851"/>
+          <a:stretch>
+            <a:fillRect/>
+          </a:stretch>
+        </p:blipFill>
         <p:spPr>
           <a:xfrm>
-            <a:off x="457200" y="1600200"/>
-            <a:ext cx="8229240" cy="4572000"/>
+            <a:off x="4145356" y="1874838"/>
+            <a:ext cx="4998644" cy="3294062"/>
           </a:xfrm>
           <a:prstGeom prst="rect">
             <a:avLst/>
           </a:prstGeom>
-          <a:noFill/>
-          <a:ln>
-            <a:noFill/>
-          </a:ln>
         </p:spPr>
-        <p:txBody>
-          <a:bodyPr/>
-          <a:lstStyle/>
-          <a:p>
-            <a:pPr>
-              <a:buSzPct val="45000"/>
-            </a:pPr>
-            <a:endParaRPr sz="2000" dirty="0"/>
+      </p:pic>
+      <p:sp>
+        <p:nvSpPr>
+          <p:cNvPr id="21" name="Content Placeholder 2"/>
+          <p:cNvSpPr txBox="1">
+            <a:spLocks/>
+          </p:cNvSpPr>
+          <p:nvPr/>
+        </p:nvSpPr>
+        <p:spPr>
+          <a:xfrm>
+            <a:off x="457200" y="1874838"/>
+            <a:ext cx="4102100" cy="4056063"/>
+          </a:xfrm>
+          <a:prstGeom prst="rect">
+            <a:avLst/>
+          </a:prstGeom>
+        </p:spPr>
+        <p:txBody>
+          <a:bodyPr vert="horz" lIns="91440" tIns="45720" rIns="91440" bIns="45720" rtlCol="0">
+            <a:normAutofit fontScale="85000" lnSpcReduction="10000"/>
+          </a:bodyPr>
+          <a:lstStyle>
+            <a:lvl1pPr marL="342900" indent="-342900" algn="l" defTabSz="457200" rtl="0" eaLnBrk="1" latinLnBrk="0" hangingPunct="1">
+              <a:spcBef>
+                <a:spcPct val="20000"/>
+              </a:spcBef>
+              <a:buFont typeface="Arial"/>
+              <a:buChar char="•"/>
+              <a:defRPr sz="3200" kern="1200">
+                <a:solidFill>
+                  <a:schemeClr val="tx1"/>
+                </a:solidFill>
+                <a:latin typeface="+mn-lt"/>
+                <a:ea typeface="+mn-ea"/>
+                <a:cs typeface="+mn-cs"/>
+              </a:defRPr>
+            </a:lvl1pPr>
+            <a:lvl2pPr marL="742950" indent="-285750" algn="l" defTabSz="457200" rtl="0" eaLnBrk="1" latinLnBrk="0" hangingPunct="1">
+              <a:spcBef>
+                <a:spcPct val="20000"/>
+              </a:spcBef>
+              <a:buFont typeface="Arial"/>
+              <a:buChar char="–"/>
+              <a:defRPr sz="2800" kern="1200">
+                <a:solidFill>
+                  <a:schemeClr val="tx1"/>
+                </a:solidFill>
+                <a:latin typeface="+mn-lt"/>
+                <a:ea typeface="+mn-ea"/>
+                <a:cs typeface="+mn-cs"/>
+              </a:defRPr>
+            </a:lvl2pPr>
+            <a:lvl3pPr marL="1143000" indent="-228600" algn="l" defTabSz="457200" rtl="0" eaLnBrk="1" latinLnBrk="0" hangingPunct="1">
+              <a:spcBef>
+                <a:spcPct val="20000"/>
+              </a:spcBef>
+              <a:buFont typeface="Arial"/>
+              <a:buChar char="•"/>
+              <a:defRPr sz="2400" kern="1200">
+                <a:solidFill>
+                  <a:schemeClr val="tx1"/>
+                </a:solidFill>
+                <a:latin typeface="+mn-lt"/>
+                <a:ea typeface="+mn-ea"/>
+                <a:cs typeface="+mn-cs"/>
+              </a:defRPr>
+            </a:lvl3pPr>
+            <a:lvl4pPr marL="1600200" indent="-228600" algn="l" defTabSz="457200" rtl="0" eaLnBrk="1" latinLnBrk="0" hangingPunct="1">
+              <a:spcBef>
+                <a:spcPct val="20000"/>
+              </a:spcBef>
+              <a:buFont typeface="Arial"/>
+              <a:buChar char="–"/>
+              <a:defRPr sz="2000" kern="1200">
+                <a:solidFill>
+                  <a:schemeClr val="tx1"/>
+                </a:solidFill>
+                <a:latin typeface="+mn-lt"/>
+                <a:ea typeface="+mn-ea"/>
+                <a:cs typeface="+mn-cs"/>
+              </a:defRPr>
+            </a:lvl4pPr>
+            <a:lvl5pPr marL="2057400" indent="-228600" algn="l" defTabSz="457200" rtl="0" eaLnBrk="1" latinLnBrk="0" hangingPunct="1">
+              <a:spcBef>
+                <a:spcPct val="20000"/>
+              </a:spcBef>
+              <a:buFont typeface="Arial"/>
+              <a:buChar char="»"/>
+              <a:defRPr sz="2000" kern="1200">
+                <a:solidFill>
+                  <a:schemeClr val="tx1"/>
+                </a:solidFill>
+                <a:latin typeface="+mn-lt"/>
+                <a:ea typeface="+mn-ea"/>
+                <a:cs typeface="+mn-cs"/>
+              </a:defRPr>
+            </a:lvl5pPr>
+            <a:lvl6pPr marL="2514600" indent="-228600" algn="l" defTabSz="457200" rtl="0" eaLnBrk="1" latinLnBrk="0" hangingPunct="1">
+              <a:spcBef>
+                <a:spcPct val="20000"/>
+              </a:spcBef>
+              <a:buFont typeface="Arial"/>
+              <a:buChar char="•"/>
+              <a:defRPr sz="2000" kern="1200">
+                <a:solidFill>
+                  <a:schemeClr val="tx1"/>
+                </a:solidFill>
+                <a:latin typeface="+mn-lt"/>
+                <a:ea typeface="+mn-ea"/>
+                <a:cs typeface="+mn-cs"/>
+              </a:defRPr>
+            </a:lvl6pPr>
+            <a:lvl7pPr marL="2971800" indent="-228600" algn="l" defTabSz="457200" rtl="0" eaLnBrk="1" latinLnBrk="0" hangingPunct="1">
+              <a:spcBef>
+                <a:spcPct val="20000"/>
+              </a:spcBef>
+              <a:buFont typeface="Arial"/>
+              <a:buChar char="•"/>
+              <a:defRPr sz="2000" kern="1200">
+                <a:solidFill>
+                  <a:schemeClr val="tx1"/>
+                </a:solidFill>
+                <a:latin typeface="+mn-lt"/>
+                <a:ea typeface="+mn-ea"/>
+                <a:cs typeface="+mn-cs"/>
+              </a:defRPr>
+            </a:lvl7pPr>
+            <a:lvl8pPr marL="3429000" indent="-228600" algn="l" defTabSz="457200" rtl="0" eaLnBrk="1" latinLnBrk="0" hangingPunct="1">
+              <a:spcBef>
+                <a:spcPct val="20000"/>
+              </a:spcBef>
+              <a:buFont typeface="Arial"/>
+              <a:buChar char="•"/>
+              <a:defRPr sz="2000" kern="1200">
+                <a:solidFill>
+                  <a:schemeClr val="tx1"/>
+                </a:solidFill>
+                <a:latin typeface="+mn-lt"/>
+                <a:ea typeface="+mn-ea"/>
+                <a:cs typeface="+mn-cs"/>
+              </a:defRPr>
+            </a:lvl8pPr>
+            <a:lvl9pPr marL="3886200" indent="-228600" algn="l" defTabSz="457200" rtl="0" eaLnBrk="1" latinLnBrk="0" hangingPunct="1">
+              <a:spcBef>
+                <a:spcPct val="20000"/>
+              </a:spcBef>
+              <a:buFont typeface="Arial"/>
+              <a:buChar char="•"/>
+              <a:defRPr sz="2000" kern="1200">
+                <a:solidFill>
+                  <a:schemeClr val="tx1"/>
+                </a:solidFill>
+                <a:latin typeface="+mn-lt"/>
+                <a:ea typeface="+mn-ea"/>
+                <a:cs typeface="+mn-cs"/>
+              </a:defRPr>
+            </a:lvl9pPr>
+          </a:lstStyle>
+          <a:p>
+            <a:r>
+              <a:rPr lang="en-US" dirty="0" smtClean="0"/>
+              <a:t>Plain old Java Objects</a:t>
+            </a:r>
+          </a:p>
+          <a:p>
+            <a:r>
+              <a:rPr lang="en-US" dirty="0" smtClean="0"/>
+              <a:t>Using the same names from the slides</a:t>
+            </a:r>
+          </a:p>
+          <a:p>
+            <a:r>
+              <a:rPr lang="en-US" dirty="0" smtClean="0"/>
+              <a:t>Database agnostic</a:t>
+            </a:r>
+          </a:p>
+          <a:p>
+            <a:r>
+              <a:rPr lang="en-US" dirty="0" smtClean="0"/>
+              <a:t>Declarative JSON serialization</a:t>
+            </a:r>
+          </a:p>
+          <a:p>
+            <a:r>
+              <a:rPr lang="en-US" dirty="0" smtClean="0"/>
+              <a:t>Numerous revisions following cross team meetings</a:t>
+            </a:r>
+            <a:endParaRPr lang="en-US" dirty="0"/>
           </a:p>
         </p:txBody>
       </p:sp>
     </p:spTree>
     <p:extLst>
       <p:ext uri="{BB962C8B-B14F-4D97-AF65-F5344CB8AC3E}">
-        <p14:creationId xmlns:p14="http://schemas.microsoft.com/office/powerpoint/2010/main" val="3045031514"/>
+        <p14:creationId xmlns:p14="http://schemas.microsoft.com/office/powerpoint/2010/main" val="3096341310"/>
       </p:ext>
     </p:extLst>
   </p:cSld>
@@ -4429,6 +4706,1596 @@
       </p:grpSpPr>
       <p:sp>
         <p:nvSpPr>
+          <p:cNvPr id="150" name="TextShape 1"/>
+          <p:cNvSpPr txBox="1"/>
+          <p:nvPr/>
+        </p:nvSpPr>
+        <p:spPr>
+          <a:xfrm>
+            <a:off x="457200" y="533520"/>
+            <a:ext cx="8229240" cy="990360"/>
+          </a:xfrm>
+          <a:prstGeom prst="rect">
+            <a:avLst/>
+          </a:prstGeom>
+          <a:noFill/>
+          <a:ln>
+            <a:noFill/>
+          </a:ln>
+        </p:spPr>
+        <p:txBody>
+          <a:bodyPr anchor="ctr"/>
+          <a:lstStyle/>
+          <a:p>
+            <a:pPr>
+              <a:lnSpc>
+                <a:spcPct val="100000"/>
+              </a:lnSpc>
+            </a:pPr>
+            <a:r>
+              <a:rPr lang="en-US" sz="4000" dirty="0" smtClean="0">
+                <a:solidFill>
+                  <a:srgbClr val="D2533C"/>
+                </a:solidFill>
+                <a:latin typeface="Arial"/>
+              </a:rPr>
+              <a:t>JAX/RS Services</a:t>
+            </a:r>
+            <a:endParaRPr dirty="0"/>
+          </a:p>
+        </p:txBody>
+      </p:sp>
+      <p:sp>
+        <p:nvSpPr>
+          <p:cNvPr id="3" name="Rounded Rectangle 2"/>
+          <p:cNvSpPr/>
+          <p:nvPr/>
+        </p:nvSpPr>
+        <p:spPr>
+          <a:xfrm>
+            <a:off x="165100" y="1625600"/>
+            <a:ext cx="1651000" cy="596900"/>
+          </a:xfrm>
+          <a:prstGeom prst="roundRect">
+            <a:avLst/>
+          </a:prstGeom>
+        </p:spPr>
+        <p:style>
+          <a:lnRef idx="1">
+            <a:schemeClr val="accent1"/>
+          </a:lnRef>
+          <a:fillRef idx="3">
+            <a:schemeClr val="accent1"/>
+          </a:fillRef>
+          <a:effectRef idx="2">
+            <a:schemeClr val="accent1"/>
+          </a:effectRef>
+          <a:fontRef idx="minor">
+            <a:schemeClr val="lt1"/>
+          </a:fontRef>
+        </p:style>
+        <p:txBody>
+          <a:bodyPr rtlCol="0" anchor="ctr"/>
+          <a:lstStyle/>
+          <a:p>
+            <a:pPr algn="ctr"/>
+            <a:r>
+              <a:rPr lang="en-US" dirty="0" smtClean="0"/>
+              <a:t>Experiment</a:t>
+            </a:r>
+          </a:p>
+          <a:p>
+            <a:pPr algn="ctr"/>
+            <a:r>
+              <a:rPr lang="en-US" dirty="0" smtClean="0"/>
+              <a:t>Service</a:t>
+            </a:r>
+            <a:endParaRPr lang="en-US" dirty="0"/>
+          </a:p>
+        </p:txBody>
+      </p:sp>
+      <p:sp>
+        <p:nvSpPr>
+          <p:cNvPr id="4" name="Rounded Rectangle 3"/>
+          <p:cNvSpPr/>
+          <p:nvPr/>
+        </p:nvSpPr>
+        <p:spPr>
+          <a:xfrm>
+            <a:off x="1968500" y="1625600"/>
+            <a:ext cx="1651000" cy="596900"/>
+          </a:xfrm>
+          <a:prstGeom prst="roundRect">
+            <a:avLst/>
+          </a:prstGeom>
+        </p:spPr>
+        <p:style>
+          <a:lnRef idx="1">
+            <a:schemeClr val="accent1"/>
+          </a:lnRef>
+          <a:fillRef idx="3">
+            <a:schemeClr val="accent1"/>
+          </a:fillRef>
+          <a:effectRef idx="2">
+            <a:schemeClr val="accent1"/>
+          </a:effectRef>
+          <a:fontRef idx="minor">
+            <a:schemeClr val="lt1"/>
+          </a:fontRef>
+        </p:style>
+        <p:txBody>
+          <a:bodyPr rtlCol="0" anchor="ctr"/>
+          <a:lstStyle/>
+          <a:p>
+            <a:pPr algn="ctr"/>
+            <a:r>
+              <a:rPr lang="en-US" dirty="0" err="1" smtClean="0"/>
+              <a:t>PlateMap</a:t>
+            </a:r>
+            <a:endParaRPr lang="en-US" dirty="0" smtClean="0"/>
+          </a:p>
+          <a:p>
+            <a:pPr algn="ctr"/>
+            <a:r>
+              <a:rPr lang="en-US" dirty="0" smtClean="0"/>
+              <a:t>Service</a:t>
+            </a:r>
+            <a:endParaRPr lang="en-US" dirty="0"/>
+          </a:p>
+        </p:txBody>
+      </p:sp>
+      <p:sp>
+        <p:nvSpPr>
+          <p:cNvPr id="5" name="Rounded Rectangle 4"/>
+          <p:cNvSpPr/>
+          <p:nvPr/>
+        </p:nvSpPr>
+        <p:spPr>
+          <a:xfrm>
+            <a:off x="5575300" y="1625600"/>
+            <a:ext cx="1651000" cy="596900"/>
+          </a:xfrm>
+          <a:prstGeom prst="roundRect">
+            <a:avLst/>
+          </a:prstGeom>
+        </p:spPr>
+        <p:style>
+          <a:lnRef idx="1">
+            <a:schemeClr val="accent1"/>
+          </a:lnRef>
+          <a:fillRef idx="3">
+            <a:schemeClr val="accent1"/>
+          </a:fillRef>
+          <a:effectRef idx="2">
+            <a:schemeClr val="accent1"/>
+          </a:effectRef>
+          <a:fontRef idx="minor">
+            <a:schemeClr val="lt1"/>
+          </a:fontRef>
+        </p:style>
+        <p:txBody>
+          <a:bodyPr rtlCol="0" anchor="ctr"/>
+          <a:lstStyle/>
+          <a:p>
+            <a:pPr algn="ctr"/>
+            <a:r>
+              <a:rPr lang="en-US" dirty="0" err="1" smtClean="0"/>
+              <a:t>PlateType</a:t>
+            </a:r>
+            <a:endParaRPr lang="en-US" dirty="0" smtClean="0"/>
+          </a:p>
+          <a:p>
+            <a:pPr algn="ctr"/>
+            <a:r>
+              <a:rPr lang="en-US" dirty="0" smtClean="0"/>
+              <a:t>Service</a:t>
+            </a:r>
+            <a:endParaRPr lang="en-US" dirty="0"/>
+          </a:p>
+        </p:txBody>
+      </p:sp>
+      <p:sp>
+        <p:nvSpPr>
+          <p:cNvPr id="6" name="Rounded Rectangle 5"/>
+          <p:cNvSpPr/>
+          <p:nvPr/>
+        </p:nvSpPr>
+        <p:spPr>
+          <a:xfrm>
+            <a:off x="165100" y="3759200"/>
+            <a:ext cx="1651000" cy="596900"/>
+          </a:xfrm>
+          <a:prstGeom prst="roundRect">
+            <a:avLst/>
+          </a:prstGeom>
+        </p:spPr>
+        <p:style>
+          <a:lnRef idx="1">
+            <a:schemeClr val="accent1"/>
+          </a:lnRef>
+          <a:fillRef idx="3">
+            <a:schemeClr val="accent1"/>
+          </a:fillRef>
+          <a:effectRef idx="2">
+            <a:schemeClr val="accent1"/>
+          </a:effectRef>
+          <a:fontRef idx="minor">
+            <a:schemeClr val="lt1"/>
+          </a:fontRef>
+        </p:style>
+        <p:txBody>
+          <a:bodyPr rtlCol="0" anchor="ctr"/>
+          <a:lstStyle/>
+          <a:p>
+            <a:pPr algn="ctr"/>
+            <a:r>
+              <a:rPr lang="en-US" dirty="0" smtClean="0"/>
+              <a:t>Plate</a:t>
+            </a:r>
+          </a:p>
+          <a:p>
+            <a:pPr algn="ctr"/>
+            <a:r>
+              <a:rPr lang="en-US" dirty="0" smtClean="0"/>
+              <a:t>Resource</a:t>
+            </a:r>
+            <a:endParaRPr lang="en-US" dirty="0"/>
+          </a:p>
+        </p:txBody>
+      </p:sp>
+      <p:sp>
+        <p:nvSpPr>
+          <p:cNvPr id="7" name="Rounded Rectangle 6"/>
+          <p:cNvSpPr/>
+          <p:nvPr/>
+        </p:nvSpPr>
+        <p:spPr>
+          <a:xfrm>
+            <a:off x="3797300" y="1625600"/>
+            <a:ext cx="1651000" cy="596900"/>
+          </a:xfrm>
+          <a:prstGeom prst="roundRect">
+            <a:avLst/>
+          </a:prstGeom>
+        </p:spPr>
+        <p:style>
+          <a:lnRef idx="1">
+            <a:schemeClr val="accent1"/>
+          </a:lnRef>
+          <a:fillRef idx="3">
+            <a:schemeClr val="accent1"/>
+          </a:fillRef>
+          <a:effectRef idx="2">
+            <a:schemeClr val="accent1"/>
+          </a:effectRef>
+          <a:fontRef idx="minor">
+            <a:schemeClr val="lt1"/>
+          </a:fontRef>
+        </p:style>
+        <p:txBody>
+          <a:bodyPr rtlCol="0" anchor="ctr"/>
+          <a:lstStyle/>
+          <a:p>
+            <a:pPr algn="ctr"/>
+            <a:r>
+              <a:rPr lang="en-US" dirty="0" smtClean="0"/>
+              <a:t>Compound</a:t>
+            </a:r>
+          </a:p>
+          <a:p>
+            <a:pPr algn="ctr"/>
+            <a:r>
+              <a:rPr lang="en-US" dirty="0" smtClean="0"/>
+              <a:t>Service</a:t>
+            </a:r>
+            <a:endParaRPr lang="en-US" dirty="0"/>
+          </a:p>
+        </p:txBody>
+      </p:sp>
+      <p:sp>
+        <p:nvSpPr>
+          <p:cNvPr id="8" name="Rounded Rectangle 7"/>
+          <p:cNvSpPr/>
+          <p:nvPr/>
+        </p:nvSpPr>
+        <p:spPr>
+          <a:xfrm>
+            <a:off x="7378700" y="1625600"/>
+            <a:ext cx="1651000" cy="596900"/>
+          </a:xfrm>
+          <a:prstGeom prst="roundRect">
+            <a:avLst/>
+          </a:prstGeom>
+        </p:spPr>
+        <p:style>
+          <a:lnRef idx="1">
+            <a:schemeClr val="accent1"/>
+          </a:lnRef>
+          <a:fillRef idx="3">
+            <a:schemeClr val="accent1"/>
+          </a:fillRef>
+          <a:effectRef idx="2">
+            <a:schemeClr val="accent1"/>
+          </a:effectRef>
+          <a:fontRef idx="minor">
+            <a:schemeClr val="lt1"/>
+          </a:fontRef>
+        </p:style>
+        <p:txBody>
+          <a:bodyPr rtlCol="0" anchor="ctr"/>
+          <a:lstStyle/>
+          <a:p>
+            <a:pPr algn="ctr"/>
+            <a:r>
+              <a:rPr lang="en-US" dirty="0" smtClean="0"/>
+              <a:t>Protocol</a:t>
+            </a:r>
+          </a:p>
+          <a:p>
+            <a:pPr algn="ctr"/>
+            <a:r>
+              <a:rPr lang="en-US" dirty="0" smtClean="0"/>
+              <a:t>Service</a:t>
+            </a:r>
+            <a:endParaRPr lang="en-US" dirty="0"/>
+          </a:p>
+        </p:txBody>
+      </p:sp>
+      <p:sp>
+        <p:nvSpPr>
+          <p:cNvPr id="9" name="Rounded Rectangle 8"/>
+          <p:cNvSpPr/>
+          <p:nvPr/>
+        </p:nvSpPr>
+        <p:spPr>
+          <a:xfrm>
+            <a:off x="165100" y="4743966"/>
+            <a:ext cx="1651000" cy="596900"/>
+          </a:xfrm>
+          <a:prstGeom prst="roundRect">
+            <a:avLst/>
+          </a:prstGeom>
+        </p:spPr>
+        <p:style>
+          <a:lnRef idx="1">
+            <a:schemeClr val="accent1"/>
+          </a:lnRef>
+          <a:fillRef idx="3">
+            <a:schemeClr val="accent1"/>
+          </a:fillRef>
+          <a:effectRef idx="2">
+            <a:schemeClr val="accent1"/>
+          </a:effectRef>
+          <a:fontRef idx="minor">
+            <a:schemeClr val="lt1"/>
+          </a:fontRef>
+        </p:style>
+        <p:txBody>
+          <a:bodyPr rtlCol="0" anchor="ctr"/>
+          <a:lstStyle/>
+          <a:p>
+            <a:pPr algn="ctr"/>
+            <a:r>
+              <a:rPr lang="en-US" dirty="0" smtClean="0"/>
+              <a:t>Results</a:t>
+            </a:r>
+            <a:endParaRPr lang="en-US" dirty="0"/>
+          </a:p>
+        </p:txBody>
+      </p:sp>
+      <p:sp>
+        <p:nvSpPr>
+          <p:cNvPr id="10" name="TextBox 9"/>
+          <p:cNvSpPr txBox="1"/>
+          <p:nvPr/>
+        </p:nvSpPr>
+        <p:spPr>
+          <a:xfrm>
+            <a:off x="266700" y="2190234"/>
+            <a:ext cx="1356073" cy="369332"/>
+          </a:xfrm>
+          <a:prstGeom prst="rect">
+            <a:avLst/>
+          </a:prstGeom>
+          <a:noFill/>
+        </p:spPr>
+        <p:txBody>
+          <a:bodyPr wrap="none" rtlCol="0">
+            <a:spAutoFit/>
+          </a:bodyPr>
+          <a:lstStyle/>
+          <a:p>
+            <a:r>
+              <a:rPr lang="en-US" dirty="0" smtClean="0"/>
+              <a:t>/experiment</a:t>
+            </a:r>
+            <a:endParaRPr lang="en-US" dirty="0"/>
+          </a:p>
+        </p:txBody>
+      </p:sp>
+      <p:sp>
+        <p:nvSpPr>
+          <p:cNvPr id="11" name="TextBox 10"/>
+          <p:cNvSpPr txBox="1"/>
+          <p:nvPr/>
+        </p:nvSpPr>
+        <p:spPr>
+          <a:xfrm>
+            <a:off x="2070100" y="2190234"/>
+            <a:ext cx="1180018" cy="369332"/>
+          </a:xfrm>
+          <a:prstGeom prst="rect">
+            <a:avLst/>
+          </a:prstGeom>
+          <a:noFill/>
+        </p:spPr>
+        <p:txBody>
+          <a:bodyPr wrap="none" rtlCol="0">
+            <a:spAutoFit/>
+          </a:bodyPr>
+          <a:lstStyle/>
+          <a:p>
+            <a:r>
+              <a:rPr lang="en-US" dirty="0" smtClean="0"/>
+              <a:t>/</a:t>
+            </a:r>
+            <a:r>
+              <a:rPr lang="en-US" dirty="0" err="1" smtClean="0"/>
+              <a:t>plateMap</a:t>
+            </a:r>
+            <a:endParaRPr lang="en-US" dirty="0"/>
+          </a:p>
+        </p:txBody>
+      </p:sp>
+      <p:sp>
+        <p:nvSpPr>
+          <p:cNvPr id="12" name="TextBox 11"/>
+          <p:cNvSpPr txBox="1"/>
+          <p:nvPr/>
+        </p:nvSpPr>
+        <p:spPr>
+          <a:xfrm>
+            <a:off x="3797300" y="2190234"/>
+            <a:ext cx="1284389" cy="369332"/>
+          </a:xfrm>
+          <a:prstGeom prst="rect">
+            <a:avLst/>
+          </a:prstGeom>
+          <a:noFill/>
+        </p:spPr>
+        <p:txBody>
+          <a:bodyPr wrap="none" rtlCol="0">
+            <a:spAutoFit/>
+          </a:bodyPr>
+          <a:lstStyle/>
+          <a:p>
+            <a:r>
+              <a:rPr lang="en-US" dirty="0" smtClean="0"/>
+              <a:t>/compound</a:t>
+            </a:r>
+            <a:endParaRPr lang="en-US" dirty="0"/>
+          </a:p>
+        </p:txBody>
+      </p:sp>
+      <p:sp>
+        <p:nvSpPr>
+          <p:cNvPr id="13" name="TextBox 12"/>
+          <p:cNvSpPr txBox="1"/>
+          <p:nvPr/>
+        </p:nvSpPr>
+        <p:spPr>
+          <a:xfrm>
+            <a:off x="5676900" y="2190234"/>
+            <a:ext cx="1203913" cy="369332"/>
+          </a:xfrm>
+          <a:prstGeom prst="rect">
+            <a:avLst/>
+          </a:prstGeom>
+          <a:noFill/>
+        </p:spPr>
+        <p:txBody>
+          <a:bodyPr wrap="none" rtlCol="0">
+            <a:spAutoFit/>
+          </a:bodyPr>
+          <a:lstStyle/>
+          <a:p>
+            <a:r>
+              <a:rPr lang="en-US" dirty="0" smtClean="0"/>
+              <a:t>/</a:t>
+            </a:r>
+            <a:r>
+              <a:rPr lang="en-US" dirty="0" err="1" smtClean="0"/>
+              <a:t>plateType</a:t>
+            </a:r>
+            <a:endParaRPr lang="en-US" dirty="0"/>
+          </a:p>
+        </p:txBody>
+      </p:sp>
+      <p:sp>
+        <p:nvSpPr>
+          <p:cNvPr id="14" name="TextBox 13"/>
+          <p:cNvSpPr txBox="1"/>
+          <p:nvPr/>
+        </p:nvSpPr>
+        <p:spPr>
+          <a:xfrm>
+            <a:off x="7518400" y="2190234"/>
+            <a:ext cx="1068659" cy="369332"/>
+          </a:xfrm>
+          <a:prstGeom prst="rect">
+            <a:avLst/>
+          </a:prstGeom>
+          <a:noFill/>
+        </p:spPr>
+        <p:txBody>
+          <a:bodyPr wrap="none" rtlCol="0">
+            <a:spAutoFit/>
+          </a:bodyPr>
+          <a:lstStyle/>
+          <a:p>
+            <a:r>
+              <a:rPr lang="en-US" dirty="0" smtClean="0"/>
+              <a:t>/protocol</a:t>
+            </a:r>
+            <a:endParaRPr lang="en-US" dirty="0"/>
+          </a:p>
+        </p:txBody>
+      </p:sp>
+      <p:sp>
+        <p:nvSpPr>
+          <p:cNvPr id="15" name="Rounded Rectangle 14"/>
+          <p:cNvSpPr/>
+          <p:nvPr/>
+        </p:nvSpPr>
+        <p:spPr>
+          <a:xfrm>
+            <a:off x="165100" y="2692400"/>
+            <a:ext cx="1651000" cy="596900"/>
+          </a:xfrm>
+          <a:prstGeom prst="roundRect">
+            <a:avLst/>
+          </a:prstGeom>
+        </p:spPr>
+        <p:style>
+          <a:lnRef idx="1">
+            <a:schemeClr val="accent1"/>
+          </a:lnRef>
+          <a:fillRef idx="3">
+            <a:schemeClr val="accent1"/>
+          </a:fillRef>
+          <a:effectRef idx="2">
+            <a:schemeClr val="accent1"/>
+          </a:effectRef>
+          <a:fontRef idx="minor">
+            <a:schemeClr val="lt1"/>
+          </a:fontRef>
+        </p:style>
+        <p:txBody>
+          <a:bodyPr rtlCol="0" anchor="ctr"/>
+          <a:lstStyle/>
+          <a:p>
+            <a:pPr algn="ctr"/>
+            <a:r>
+              <a:rPr lang="en-US" dirty="0" smtClean="0"/>
+              <a:t>Experiment</a:t>
+            </a:r>
+          </a:p>
+          <a:p>
+            <a:pPr algn="ctr"/>
+            <a:r>
+              <a:rPr lang="en-US" dirty="0" smtClean="0"/>
+              <a:t>Resource</a:t>
+            </a:r>
+            <a:endParaRPr lang="en-US" dirty="0"/>
+          </a:p>
+        </p:txBody>
+      </p:sp>
+      <p:sp>
+        <p:nvSpPr>
+          <p:cNvPr id="16" name="TextBox 15"/>
+          <p:cNvSpPr txBox="1"/>
+          <p:nvPr/>
+        </p:nvSpPr>
+        <p:spPr>
+          <a:xfrm>
+            <a:off x="142855" y="3295134"/>
+            <a:ext cx="1774845" cy="369332"/>
+          </a:xfrm>
+          <a:prstGeom prst="rect">
+            <a:avLst/>
+          </a:prstGeom>
+          <a:noFill/>
+        </p:spPr>
+        <p:txBody>
+          <a:bodyPr wrap="none" rtlCol="0">
+            <a:spAutoFit/>
+          </a:bodyPr>
+          <a:lstStyle/>
+          <a:p>
+            <a:r>
+              <a:rPr lang="en-US" dirty="0" smtClean="0"/>
+              <a:t>/experiment/{id}</a:t>
+            </a:r>
+            <a:endParaRPr lang="en-US" dirty="0"/>
+          </a:p>
+        </p:txBody>
+      </p:sp>
+      <p:sp>
+        <p:nvSpPr>
+          <p:cNvPr id="17" name="TextBox 16"/>
+          <p:cNvSpPr txBox="1"/>
+          <p:nvPr/>
+        </p:nvSpPr>
+        <p:spPr>
+          <a:xfrm>
+            <a:off x="142855" y="4374634"/>
+            <a:ext cx="3313728" cy="369332"/>
+          </a:xfrm>
+          <a:prstGeom prst="rect">
+            <a:avLst/>
+          </a:prstGeom>
+          <a:noFill/>
+        </p:spPr>
+        <p:txBody>
+          <a:bodyPr wrap="none" rtlCol="0">
+            <a:spAutoFit/>
+          </a:bodyPr>
+          <a:lstStyle/>
+          <a:p>
+            <a:r>
+              <a:rPr lang="en-US" dirty="0" smtClean="0"/>
+              <a:t>/experiment/{id}/plates/{</a:t>
+            </a:r>
+            <a:r>
+              <a:rPr lang="en-US" dirty="0" err="1" smtClean="0"/>
+              <a:t>plateId</a:t>
+            </a:r>
+            <a:r>
+              <a:rPr lang="en-US" dirty="0" smtClean="0"/>
+              <a:t>}</a:t>
+            </a:r>
+            <a:endParaRPr lang="en-US" dirty="0"/>
+          </a:p>
+        </p:txBody>
+      </p:sp>
+      <p:sp>
+        <p:nvSpPr>
+          <p:cNvPr id="18" name="TextBox 17"/>
+          <p:cNvSpPr txBox="1"/>
+          <p:nvPr/>
+        </p:nvSpPr>
+        <p:spPr>
+          <a:xfrm>
+            <a:off x="192683" y="5340866"/>
+            <a:ext cx="4031873" cy="369332"/>
+          </a:xfrm>
+          <a:prstGeom prst="rect">
+            <a:avLst/>
+          </a:prstGeom>
+          <a:noFill/>
+        </p:spPr>
+        <p:txBody>
+          <a:bodyPr wrap="none" rtlCol="0">
+            <a:spAutoFit/>
+          </a:bodyPr>
+          <a:lstStyle/>
+          <a:p>
+            <a:r>
+              <a:rPr lang="en-US" dirty="0" smtClean="0"/>
+              <a:t>/experiment/{id}/plates/{</a:t>
+            </a:r>
+            <a:r>
+              <a:rPr lang="en-US" dirty="0" err="1" smtClean="0"/>
+              <a:t>plateId</a:t>
+            </a:r>
+            <a:r>
+              <a:rPr lang="en-US" dirty="0" smtClean="0"/>
+              <a:t>}/results</a:t>
+            </a:r>
+            <a:endParaRPr lang="en-US" dirty="0"/>
+          </a:p>
+        </p:txBody>
+      </p:sp>
+      <p:sp>
+        <p:nvSpPr>
+          <p:cNvPr id="19" name="Content Placeholder 2"/>
+          <p:cNvSpPr txBox="1">
+            <a:spLocks/>
+          </p:cNvSpPr>
+          <p:nvPr/>
+        </p:nvSpPr>
+        <p:spPr>
+          <a:xfrm>
+            <a:off x="4224556" y="2692400"/>
+            <a:ext cx="4462244" cy="3433763"/>
+          </a:xfrm>
+          <a:prstGeom prst="rect">
+            <a:avLst/>
+          </a:prstGeom>
+        </p:spPr>
+        <p:txBody>
+          <a:bodyPr>
+            <a:normAutofit fontScale="92500" lnSpcReduction="10000"/>
+          </a:bodyPr>
+          <a:lstStyle>
+            <a:lvl1pPr marL="182880" indent="-182880" algn="l" defTabSz="914400" rtl="0" eaLnBrk="1" latinLnBrk="0" hangingPunct="1">
+              <a:spcBef>
+                <a:spcPct val="20000"/>
+              </a:spcBef>
+              <a:buClr>
+                <a:schemeClr val="accent1"/>
+              </a:buClr>
+              <a:buSzPct val="85000"/>
+              <a:buFont typeface="Arial" pitchFamily="34" charset="0"/>
+              <a:buChar char="•"/>
+              <a:defRPr sz="2400" kern="1200">
+                <a:solidFill>
+                  <a:schemeClr val="tx1"/>
+                </a:solidFill>
+                <a:latin typeface="+mn-lt"/>
+                <a:ea typeface="+mn-ea"/>
+                <a:cs typeface="+mn-cs"/>
+              </a:defRPr>
+            </a:lvl1pPr>
+            <a:lvl2pPr marL="457200" indent="-182880" algn="l" defTabSz="914400" rtl="0" eaLnBrk="1" latinLnBrk="0" hangingPunct="1">
+              <a:spcBef>
+                <a:spcPct val="20000"/>
+              </a:spcBef>
+              <a:buClr>
+                <a:schemeClr val="accent1"/>
+              </a:buClr>
+              <a:buSzPct val="85000"/>
+              <a:buFont typeface="Arial" pitchFamily="34" charset="0"/>
+              <a:buChar char="•"/>
+              <a:defRPr sz="2000" kern="1200">
+                <a:solidFill>
+                  <a:schemeClr val="tx1"/>
+                </a:solidFill>
+                <a:latin typeface="+mn-lt"/>
+                <a:ea typeface="+mn-ea"/>
+                <a:cs typeface="+mn-cs"/>
+              </a:defRPr>
+            </a:lvl2pPr>
+            <a:lvl3pPr marL="731520" indent="-182880" algn="l" defTabSz="914400" rtl="0" eaLnBrk="1" latinLnBrk="0" hangingPunct="1">
+              <a:spcBef>
+                <a:spcPct val="20000"/>
+              </a:spcBef>
+              <a:buClr>
+                <a:schemeClr val="accent1"/>
+              </a:buClr>
+              <a:buSzPct val="90000"/>
+              <a:buFont typeface="Arial" pitchFamily="34" charset="0"/>
+              <a:buChar char="•"/>
+              <a:defRPr sz="1800" kern="1200">
+                <a:solidFill>
+                  <a:schemeClr val="tx1"/>
+                </a:solidFill>
+                <a:latin typeface="+mn-lt"/>
+                <a:ea typeface="+mn-ea"/>
+                <a:cs typeface="+mn-cs"/>
+              </a:defRPr>
+            </a:lvl3pPr>
+            <a:lvl4pPr marL="1005840" indent="-182880" algn="l" defTabSz="914400" rtl="0" eaLnBrk="1" latinLnBrk="0" hangingPunct="1">
+              <a:spcBef>
+                <a:spcPct val="20000"/>
+              </a:spcBef>
+              <a:buClr>
+                <a:schemeClr val="accent1"/>
+              </a:buClr>
+              <a:buFont typeface="Arial" pitchFamily="34" charset="0"/>
+              <a:buChar char="•"/>
+              <a:defRPr sz="1600" kern="1200">
+                <a:solidFill>
+                  <a:schemeClr val="tx1"/>
+                </a:solidFill>
+                <a:latin typeface="+mn-lt"/>
+                <a:ea typeface="+mn-ea"/>
+                <a:cs typeface="+mn-cs"/>
+              </a:defRPr>
+            </a:lvl4pPr>
+            <a:lvl5pPr marL="1188720" indent="-137160" algn="l" defTabSz="914400" rtl="0" eaLnBrk="1" latinLnBrk="0" hangingPunct="1">
+              <a:spcBef>
+                <a:spcPct val="20000"/>
+              </a:spcBef>
+              <a:buClr>
+                <a:schemeClr val="accent1"/>
+              </a:buClr>
+              <a:buSzPct val="100000"/>
+              <a:buFont typeface="Arial" pitchFamily="34" charset="0"/>
+              <a:buChar char="•"/>
+              <a:defRPr sz="1400" kern="1200" baseline="0">
+                <a:solidFill>
+                  <a:schemeClr val="tx1"/>
+                </a:solidFill>
+                <a:latin typeface="+mn-lt"/>
+                <a:ea typeface="+mn-ea"/>
+                <a:cs typeface="+mn-cs"/>
+              </a:defRPr>
+            </a:lvl5pPr>
+            <a:lvl6pPr marL="1371600" indent="-182880" algn="l" defTabSz="914400" rtl="0" eaLnBrk="1" latinLnBrk="0" hangingPunct="1">
+              <a:spcBef>
+                <a:spcPct val="20000"/>
+              </a:spcBef>
+              <a:buClr>
+                <a:schemeClr val="accent1"/>
+              </a:buClr>
+              <a:buFont typeface="Arial" pitchFamily="34" charset="0"/>
+              <a:buChar char="•"/>
+              <a:defRPr sz="1300" kern="1200">
+                <a:solidFill>
+                  <a:schemeClr val="tx1"/>
+                </a:solidFill>
+                <a:latin typeface="+mn-lt"/>
+                <a:ea typeface="+mn-ea"/>
+                <a:cs typeface="+mn-cs"/>
+              </a:defRPr>
+            </a:lvl6pPr>
+            <a:lvl7pPr marL="1554480" indent="-182880" algn="l" defTabSz="914400" rtl="0" eaLnBrk="1" latinLnBrk="0" hangingPunct="1">
+              <a:spcBef>
+                <a:spcPct val="20000"/>
+              </a:spcBef>
+              <a:buClr>
+                <a:schemeClr val="accent1"/>
+              </a:buClr>
+              <a:buFont typeface="Arial" pitchFamily="34" charset="0"/>
+              <a:buChar char="•"/>
+              <a:defRPr sz="1300" kern="1200">
+                <a:solidFill>
+                  <a:schemeClr val="tx1"/>
+                </a:solidFill>
+                <a:latin typeface="+mn-lt"/>
+                <a:ea typeface="+mn-ea"/>
+                <a:cs typeface="+mn-cs"/>
+              </a:defRPr>
+            </a:lvl7pPr>
+            <a:lvl8pPr marL="1737360" indent="-182880" algn="l" defTabSz="914400" rtl="0" eaLnBrk="1" latinLnBrk="0" hangingPunct="1">
+              <a:spcBef>
+                <a:spcPct val="20000"/>
+              </a:spcBef>
+              <a:buClr>
+                <a:schemeClr val="accent1"/>
+              </a:buClr>
+              <a:buFont typeface="Arial" pitchFamily="34" charset="0"/>
+              <a:buChar char="•"/>
+              <a:defRPr sz="1300" kern="1200">
+                <a:solidFill>
+                  <a:schemeClr val="tx1"/>
+                </a:solidFill>
+                <a:latin typeface="+mn-lt"/>
+                <a:ea typeface="+mn-ea"/>
+                <a:cs typeface="+mn-cs"/>
+              </a:defRPr>
+            </a:lvl8pPr>
+            <a:lvl9pPr marL="1920240" indent="-182880" algn="l" defTabSz="914400" rtl="0" eaLnBrk="1" latinLnBrk="0" hangingPunct="1">
+              <a:spcBef>
+                <a:spcPct val="20000"/>
+              </a:spcBef>
+              <a:buClr>
+                <a:schemeClr val="accent1"/>
+              </a:buClr>
+              <a:buFont typeface="Arial" pitchFamily="34" charset="0"/>
+              <a:buChar char="•"/>
+              <a:defRPr sz="1300" kern="1200">
+                <a:solidFill>
+                  <a:schemeClr val="tx1"/>
+                </a:solidFill>
+                <a:latin typeface="+mn-lt"/>
+                <a:ea typeface="+mn-ea"/>
+                <a:cs typeface="+mn-cs"/>
+              </a:defRPr>
+            </a:lvl9pPr>
+          </a:lstStyle>
+          <a:p>
+            <a:r>
+              <a:rPr lang="en-US" smtClean="0"/>
+              <a:t>Top level services model independent Domain Models</a:t>
+            </a:r>
+          </a:p>
+          <a:p>
+            <a:r>
+              <a:rPr lang="en-US" smtClean="0"/>
+              <a:t>Other levels represent sub-resources that are owned by a parent model</a:t>
+            </a:r>
+          </a:p>
+          <a:p>
+            <a:r>
+              <a:rPr lang="en-US" smtClean="0"/>
+              <a:t>Thus, all Plates and Results are owned by an Experiment while PlateMap, Compounds and others can exist independent of an Experiment</a:t>
+            </a:r>
+            <a:endParaRPr lang="en-US" dirty="0" smtClean="0"/>
+          </a:p>
+        </p:txBody>
+      </p:sp>
+    </p:spTree>
+    <p:extLst>
+      <p:ext uri="{BB962C8B-B14F-4D97-AF65-F5344CB8AC3E}">
+        <p14:creationId xmlns:p14="http://schemas.microsoft.com/office/powerpoint/2010/main" val="1396416422"/>
+      </p:ext>
+    </p:extLst>
+  </p:cSld>
+  <p:clrMapOvr>
+    <a:masterClrMapping/>
+  </p:clrMapOvr>
+  <p:timing>
+    <p:tnLst>
+      <p:par>
+        <p:cTn xmlns:p14="http://schemas.microsoft.com/office/powerpoint/2010/main" id="1" dur="indefinite" restart="never" nodeType="tmRoot">
+          <p:childTnLst>
+            <p:seq>
+              <p:cTn id="2" nodeType="mainSeq"/>
+              <p:prevCondLst>
+                <p:cond evt="onPrev" delay="0">
+                  <p:tgtEl>
+                    <p:sldTgt/>
+                  </p:tgtEl>
+                </p:cond>
+              </p:prevCondLst>
+              <p:nextCondLst>
+                <p:cond evt="onNext" delay="0">
+                  <p:tgtEl>
+                    <p:sldTgt/>
+                  </p:tgtEl>
+                </p:cond>
+              </p:nextCondLst>
+            </p:seq>
+          </p:childTnLst>
+        </p:cTn>
+      </p:par>
+    </p:tnLst>
+  </p:timing>
+</p:sld>
+</file>
+
+<file path=ppt/slides/slide13.xml><?xml version="1.0" encoding="utf-8"?>
+<p:sld xmlns:a="http://schemas.openxmlformats.org/drawingml/2006/main" xmlns:r="http://schemas.openxmlformats.org/officeDocument/2006/relationships" xmlns:p="http://schemas.openxmlformats.org/presentationml/2006/main">
+  <p:cSld>
+    <p:spTree>
+      <p:nvGrpSpPr>
+        <p:cNvPr id="1" name=""/>
+        <p:cNvGrpSpPr/>
+        <p:nvPr/>
+      </p:nvGrpSpPr>
+      <p:grpSpPr>
+        <a:xfrm>
+          <a:off x="0" y="0"/>
+          <a:ext cx="0" cy="0"/>
+          <a:chOff x="0" y="0"/>
+          <a:chExt cx="0" cy="0"/>
+        </a:xfrm>
+      </p:grpSpPr>
+      <p:sp>
+        <p:nvSpPr>
+          <p:cNvPr id="156" name="TextShape 1"/>
+          <p:cNvSpPr txBox="1"/>
+          <p:nvPr/>
+        </p:nvSpPr>
+        <p:spPr>
+          <a:xfrm>
+            <a:off x="457200" y="533520"/>
+            <a:ext cx="8229240" cy="990360"/>
+          </a:xfrm>
+          <a:prstGeom prst="rect">
+            <a:avLst/>
+          </a:prstGeom>
+          <a:noFill/>
+          <a:ln>
+            <a:noFill/>
+          </a:ln>
+        </p:spPr>
+        <p:txBody>
+          <a:bodyPr anchor="ctr"/>
+          <a:lstStyle/>
+          <a:p>
+            <a:pPr>
+              <a:lnSpc>
+                <a:spcPct val="100000"/>
+              </a:lnSpc>
+            </a:pPr>
+            <a:r>
+              <a:rPr lang="en-US" sz="4000" dirty="0" smtClean="0">
+                <a:solidFill>
+                  <a:srgbClr val="D2533C"/>
+                </a:solidFill>
+                <a:latin typeface="Arial"/>
+              </a:rPr>
+              <a:t>Storage Layer</a:t>
+            </a:r>
+            <a:endParaRPr dirty="0"/>
+          </a:p>
+        </p:txBody>
+      </p:sp>
+      <p:sp>
+        <p:nvSpPr>
+          <p:cNvPr id="157" name="TextShape 2"/>
+          <p:cNvSpPr txBox="1"/>
+          <p:nvPr/>
+        </p:nvSpPr>
+        <p:spPr>
+          <a:xfrm>
+            <a:off x="457200" y="1600200"/>
+            <a:ext cx="4191000" cy="4572000"/>
+          </a:xfrm>
+          <a:prstGeom prst="rect">
+            <a:avLst/>
+          </a:prstGeom>
+          <a:noFill/>
+          <a:ln>
+            <a:noFill/>
+          </a:ln>
+        </p:spPr>
+        <p:txBody>
+          <a:bodyPr/>
+          <a:lstStyle/>
+          <a:p>
+            <a:pPr marL="342900" indent="-342900">
+              <a:buFont typeface="Arial"/>
+              <a:buChar char="•"/>
+            </a:pPr>
+            <a:r>
+              <a:rPr lang="en-US" sz="2000" dirty="0"/>
+              <a:t>Each Domain Model has a Storage Interface responsible for all basic CRUD and listing </a:t>
+            </a:r>
+            <a:r>
+              <a:rPr lang="en-US" sz="2000" dirty="0" smtClean="0"/>
+              <a:t>operations</a:t>
+            </a:r>
+          </a:p>
+          <a:p>
+            <a:endParaRPr lang="en-US" sz="2000" dirty="0"/>
+          </a:p>
+          <a:p>
+            <a:pPr marL="342900" indent="-342900">
+              <a:buFont typeface="Arial"/>
+              <a:buChar char="•"/>
+            </a:pPr>
+            <a:r>
+              <a:rPr lang="en-US" sz="2000" dirty="0"/>
+              <a:t>Storage Interface accepts/returns Domain Models and fully encapsulates the choice of storage </a:t>
+            </a:r>
+            <a:r>
+              <a:rPr lang="en-US" sz="2000" dirty="0" smtClean="0"/>
+              <a:t>architecture</a:t>
+            </a:r>
+          </a:p>
+          <a:p>
+            <a:pPr marL="342900" indent="-342900">
+              <a:buFont typeface="Arial"/>
+              <a:buChar char="•"/>
+            </a:pPr>
+            <a:endParaRPr lang="en-US" sz="2000" dirty="0"/>
+          </a:p>
+          <a:p>
+            <a:pPr marL="342900" indent="-342900">
+              <a:buFont typeface="Arial"/>
+              <a:buChar char="•"/>
+            </a:pPr>
+            <a:r>
+              <a:rPr lang="en-US" sz="2000" dirty="0"/>
+              <a:t>Domain Models are mapped internally from POJO to JPA and back again via </a:t>
+            </a:r>
+            <a:r>
+              <a:rPr lang="en-US" sz="2000" dirty="0" err="1"/>
+              <a:t>Orika</a:t>
+            </a:r>
+            <a:r>
+              <a:rPr lang="en-US" sz="2000" dirty="0"/>
+              <a:t> Mappers </a:t>
+            </a:r>
+            <a:endParaRPr lang="en-US" sz="2000" dirty="0"/>
+          </a:p>
+        </p:txBody>
+      </p:sp>
+      <p:sp>
+        <p:nvSpPr>
+          <p:cNvPr id="4" name="Rounded Rectangle 3"/>
+          <p:cNvSpPr/>
+          <p:nvPr/>
+        </p:nvSpPr>
+        <p:spPr>
+          <a:xfrm>
+            <a:off x="6121400" y="1727200"/>
+            <a:ext cx="1498600" cy="914400"/>
+          </a:xfrm>
+          <a:prstGeom prst="roundRect">
+            <a:avLst/>
+          </a:prstGeom>
+        </p:spPr>
+        <p:style>
+          <a:lnRef idx="1">
+            <a:schemeClr val="accent1"/>
+          </a:lnRef>
+          <a:fillRef idx="3">
+            <a:schemeClr val="accent1"/>
+          </a:fillRef>
+          <a:effectRef idx="2">
+            <a:schemeClr val="accent1"/>
+          </a:effectRef>
+          <a:fontRef idx="minor">
+            <a:schemeClr val="lt1"/>
+          </a:fontRef>
+        </p:style>
+        <p:txBody>
+          <a:bodyPr rtlCol="0" anchor="ctr"/>
+          <a:lstStyle/>
+          <a:p>
+            <a:pPr algn="ctr"/>
+            <a:r>
+              <a:rPr lang="en-US" dirty="0" smtClean="0"/>
+              <a:t>Compound</a:t>
+            </a:r>
+          </a:p>
+          <a:p>
+            <a:pPr algn="ctr"/>
+            <a:r>
+              <a:rPr lang="en-US" dirty="0" smtClean="0"/>
+              <a:t>Service</a:t>
+            </a:r>
+            <a:endParaRPr lang="en-US" dirty="0"/>
+          </a:p>
+        </p:txBody>
+      </p:sp>
+      <p:sp>
+        <p:nvSpPr>
+          <p:cNvPr id="5" name="Rounded Rectangle 4"/>
+          <p:cNvSpPr/>
+          <p:nvPr/>
+        </p:nvSpPr>
+        <p:spPr>
+          <a:xfrm>
+            <a:off x="6127750" y="3263900"/>
+            <a:ext cx="1498600" cy="914400"/>
+          </a:xfrm>
+          <a:prstGeom prst="roundRect">
+            <a:avLst/>
+          </a:prstGeom>
+        </p:spPr>
+        <p:style>
+          <a:lnRef idx="1">
+            <a:schemeClr val="accent1"/>
+          </a:lnRef>
+          <a:fillRef idx="3">
+            <a:schemeClr val="accent1"/>
+          </a:fillRef>
+          <a:effectRef idx="2">
+            <a:schemeClr val="accent1"/>
+          </a:effectRef>
+          <a:fontRef idx="minor">
+            <a:schemeClr val="lt1"/>
+          </a:fontRef>
+        </p:style>
+        <p:txBody>
+          <a:bodyPr rtlCol="0" anchor="ctr"/>
+          <a:lstStyle/>
+          <a:p>
+            <a:pPr algn="ctr"/>
+            <a:r>
+              <a:rPr lang="en-US" dirty="0" smtClean="0"/>
+              <a:t>Compound</a:t>
+            </a:r>
+          </a:p>
+          <a:p>
+            <a:pPr algn="ctr"/>
+            <a:r>
+              <a:rPr lang="en-US" dirty="0" smtClean="0"/>
+              <a:t>Storage</a:t>
+            </a:r>
+            <a:endParaRPr lang="en-US" dirty="0"/>
+          </a:p>
+        </p:txBody>
+      </p:sp>
+      <p:cxnSp>
+        <p:nvCxnSpPr>
+          <p:cNvPr id="6" name="Elbow Connector 5"/>
+          <p:cNvCxnSpPr>
+            <a:stCxn id="4" idx="2"/>
+            <a:endCxn id="5" idx="0"/>
+          </p:cNvCxnSpPr>
+          <p:nvPr/>
+        </p:nvCxnSpPr>
+        <p:spPr>
+          <a:xfrm rot="16200000" flipH="1">
+            <a:off x="6562725" y="2949575"/>
+            <a:ext cx="622300" cy="6350"/>
+          </a:xfrm>
+          <a:prstGeom prst="bentConnector3">
+            <a:avLst/>
+          </a:prstGeom>
+          <a:ln>
+            <a:solidFill>
+              <a:schemeClr val="tx1"/>
+            </a:solidFill>
+            <a:headEnd type="diamond" w="lg" len="lg"/>
+          </a:ln>
+        </p:spPr>
+        <p:style>
+          <a:lnRef idx="2">
+            <a:schemeClr val="accent1"/>
+          </a:lnRef>
+          <a:fillRef idx="0">
+            <a:schemeClr val="accent1"/>
+          </a:fillRef>
+          <a:effectRef idx="1">
+            <a:schemeClr val="accent1"/>
+          </a:effectRef>
+          <a:fontRef idx="minor">
+            <a:schemeClr val="tx1"/>
+          </a:fontRef>
+        </p:style>
+      </p:cxnSp>
+      <p:sp>
+        <p:nvSpPr>
+          <p:cNvPr id="7" name="Rounded Rectangle 6"/>
+          <p:cNvSpPr/>
+          <p:nvPr/>
+        </p:nvSpPr>
+        <p:spPr>
+          <a:xfrm>
+            <a:off x="6127750" y="4800600"/>
+            <a:ext cx="1498600" cy="914400"/>
+          </a:xfrm>
+          <a:prstGeom prst="roundRect">
+            <a:avLst/>
+          </a:prstGeom>
+        </p:spPr>
+        <p:style>
+          <a:lnRef idx="1">
+            <a:schemeClr val="accent1"/>
+          </a:lnRef>
+          <a:fillRef idx="3">
+            <a:schemeClr val="accent1"/>
+          </a:fillRef>
+          <a:effectRef idx="2">
+            <a:schemeClr val="accent1"/>
+          </a:effectRef>
+          <a:fontRef idx="minor">
+            <a:schemeClr val="lt1"/>
+          </a:fontRef>
+        </p:style>
+        <p:txBody>
+          <a:bodyPr rtlCol="0" anchor="ctr"/>
+          <a:lstStyle/>
+          <a:p>
+            <a:pPr algn="ctr"/>
+            <a:r>
+              <a:rPr lang="en-US" dirty="0" smtClean="0"/>
+              <a:t>Compound</a:t>
+            </a:r>
+          </a:p>
+          <a:p>
+            <a:pPr algn="ctr"/>
+            <a:r>
+              <a:rPr lang="en-US" dirty="0" smtClean="0"/>
+              <a:t>Storage</a:t>
+            </a:r>
+          </a:p>
+          <a:p>
+            <a:pPr algn="ctr"/>
+            <a:r>
+              <a:rPr lang="en-US" dirty="0" err="1" smtClean="0"/>
+              <a:t>Impl</a:t>
+            </a:r>
+            <a:r>
+              <a:rPr lang="en-US" dirty="0" smtClean="0"/>
+              <a:t> (JPA)</a:t>
+            </a:r>
+            <a:endParaRPr lang="en-US" dirty="0"/>
+          </a:p>
+        </p:txBody>
+      </p:sp>
+      <p:cxnSp>
+        <p:nvCxnSpPr>
+          <p:cNvPr id="8" name="Elbow Connector 7"/>
+          <p:cNvCxnSpPr>
+            <a:stCxn id="5" idx="2"/>
+            <a:endCxn id="7" idx="0"/>
+          </p:cNvCxnSpPr>
+          <p:nvPr/>
+        </p:nvCxnSpPr>
+        <p:spPr>
+          <a:xfrm rot="5400000">
+            <a:off x="6565900" y="4489450"/>
+            <a:ext cx="622300" cy="12700"/>
+          </a:xfrm>
+          <a:prstGeom prst="bentConnector3">
+            <a:avLst/>
+          </a:prstGeom>
+          <a:ln>
+            <a:solidFill>
+              <a:schemeClr val="tx1"/>
+            </a:solidFill>
+            <a:headEnd type="triangle" w="lg" len="lg"/>
+          </a:ln>
+        </p:spPr>
+        <p:style>
+          <a:lnRef idx="2">
+            <a:schemeClr val="accent1"/>
+          </a:lnRef>
+          <a:fillRef idx="0">
+            <a:schemeClr val="accent1"/>
+          </a:fillRef>
+          <a:effectRef idx="1">
+            <a:schemeClr val="accent1"/>
+          </a:effectRef>
+          <a:fontRef idx="minor">
+            <a:schemeClr val="tx1"/>
+          </a:fontRef>
+        </p:style>
+      </p:cxnSp>
+    </p:spTree>
+    <p:extLst>
+      <p:ext uri="{BB962C8B-B14F-4D97-AF65-F5344CB8AC3E}">
+        <p14:creationId xmlns:p14="http://schemas.microsoft.com/office/powerpoint/2010/main" val="3045031514"/>
+      </p:ext>
+    </p:extLst>
+  </p:cSld>
+  <p:clrMapOvr>
+    <a:masterClrMapping/>
+  </p:clrMapOvr>
+  <p:timing>
+    <p:tnLst>
+      <p:par>
+        <p:cTn xmlns:p14="http://schemas.microsoft.com/office/powerpoint/2010/main" id="1" dur="indefinite" restart="never" nodeType="tmRoot">
+          <p:childTnLst>
+            <p:seq>
+              <p:cTn id="2" nodeType="mainSeq"/>
+              <p:prevCondLst>
+                <p:cond evt="onPrev" delay="0">
+                  <p:tgtEl>
+                    <p:sldTgt/>
+                  </p:tgtEl>
+                </p:cond>
+              </p:prevCondLst>
+              <p:nextCondLst>
+                <p:cond evt="onNext" delay="0">
+                  <p:tgtEl>
+                    <p:sldTgt/>
+                  </p:tgtEl>
+                </p:cond>
+              </p:nextCondLst>
+            </p:seq>
+          </p:childTnLst>
+        </p:cTn>
+      </p:par>
+    </p:tnLst>
+  </p:timing>
+</p:sld>
+</file>
+
+<file path=ppt/slides/slide14.xml><?xml version="1.0" encoding="utf-8"?>
+<p:sld xmlns:a="http://schemas.openxmlformats.org/drawingml/2006/main" xmlns:r="http://schemas.openxmlformats.org/officeDocument/2006/relationships" xmlns:p="http://schemas.openxmlformats.org/presentationml/2006/main">
+  <p:cSld>
+    <p:spTree>
+      <p:nvGrpSpPr>
+        <p:cNvPr id="1" name=""/>
+        <p:cNvGrpSpPr/>
+        <p:nvPr/>
+      </p:nvGrpSpPr>
+      <p:grpSpPr>
+        <a:xfrm>
+          <a:off x="0" y="0"/>
+          <a:ext cx="0" cy="0"/>
+          <a:chOff x="0" y="0"/>
+          <a:chExt cx="0" cy="0"/>
+        </a:xfrm>
+      </p:grpSpPr>
+      <p:sp>
+        <p:nvSpPr>
+          <p:cNvPr id="156" name="TextShape 1"/>
+          <p:cNvSpPr txBox="1"/>
+          <p:nvPr/>
+        </p:nvSpPr>
+        <p:spPr>
+          <a:xfrm>
+            <a:off x="457200" y="533520"/>
+            <a:ext cx="8229240" cy="990360"/>
+          </a:xfrm>
+          <a:prstGeom prst="rect">
+            <a:avLst/>
+          </a:prstGeom>
+          <a:noFill/>
+          <a:ln>
+            <a:noFill/>
+          </a:ln>
+        </p:spPr>
+        <p:txBody>
+          <a:bodyPr anchor="ctr"/>
+          <a:lstStyle/>
+          <a:p>
+            <a:pPr>
+              <a:lnSpc>
+                <a:spcPct val="100000"/>
+              </a:lnSpc>
+            </a:pPr>
+            <a:r>
+              <a:rPr lang="en-US" sz="4000" dirty="0" smtClean="0">
+                <a:solidFill>
+                  <a:srgbClr val="D2533C"/>
+                </a:solidFill>
+                <a:latin typeface="Arial"/>
+              </a:rPr>
+              <a:t>Testing Strategy – Back End</a:t>
+            </a:r>
+            <a:endParaRPr dirty="0"/>
+          </a:p>
+        </p:txBody>
+      </p:sp>
+      <p:sp>
+        <p:nvSpPr>
+          <p:cNvPr id="157" name="TextShape 2"/>
+          <p:cNvSpPr txBox="1"/>
+          <p:nvPr/>
+        </p:nvSpPr>
+        <p:spPr>
+          <a:xfrm>
+            <a:off x="457200" y="1600200"/>
+            <a:ext cx="8229240" cy="4572000"/>
+          </a:xfrm>
+          <a:prstGeom prst="rect">
+            <a:avLst/>
+          </a:prstGeom>
+          <a:noFill/>
+          <a:ln>
+            <a:noFill/>
+          </a:ln>
+        </p:spPr>
+        <p:txBody>
+          <a:bodyPr/>
+          <a:lstStyle/>
+          <a:p>
+            <a:pPr marL="457200" indent="-457200">
+              <a:buFont typeface="Arial"/>
+              <a:buChar char="•"/>
+            </a:pPr>
+            <a:r>
+              <a:rPr lang="en-US" sz="2400" dirty="0" err="1"/>
+              <a:t>Junit</a:t>
+            </a:r>
+            <a:r>
+              <a:rPr lang="en-US" sz="2400" dirty="0"/>
+              <a:t> for basic unit tests: JSON </a:t>
+            </a:r>
+            <a:r>
+              <a:rPr lang="en-US" sz="2400" dirty="0" smtClean="0"/>
+              <a:t>marshaling, </a:t>
+            </a:r>
+            <a:r>
+              <a:rPr lang="en-US" sz="2400" dirty="0"/>
+              <a:t>functions, mapping between layers</a:t>
+            </a:r>
+          </a:p>
+          <a:p>
+            <a:pPr marL="457200" indent="-457200">
+              <a:buFont typeface="Arial"/>
+              <a:buChar char="•"/>
+            </a:pPr>
+            <a:r>
+              <a:rPr lang="en-US" sz="2400" dirty="0"/>
+              <a:t>Separate module for reusable code across tests (</a:t>
+            </a:r>
+            <a:r>
+              <a:rPr lang="en-US" sz="2400" dirty="0" err="1"/>
+              <a:t>Junit</a:t>
+            </a:r>
+            <a:r>
+              <a:rPr lang="en-US" sz="2400" dirty="0"/>
+              <a:t> Rules, JSON equality assertions)</a:t>
+            </a:r>
+          </a:p>
+          <a:p>
+            <a:pPr marL="457200" indent="-457200">
+              <a:buFont typeface="Arial"/>
+              <a:buChar char="•"/>
+            </a:pPr>
+            <a:r>
+              <a:rPr lang="en-US" sz="2400" dirty="0" err="1"/>
+              <a:t>Junit</a:t>
+            </a:r>
+            <a:r>
+              <a:rPr lang="en-US" sz="2400" dirty="0"/>
+              <a:t> Integration Tests</a:t>
+            </a:r>
+          </a:p>
+          <a:p>
+            <a:pPr marL="914400" lvl="1" indent="-457200">
+              <a:buFont typeface="Arial"/>
+              <a:buChar char="•"/>
+            </a:pPr>
+            <a:r>
+              <a:rPr lang="en-US" sz="2400" dirty="0"/>
+              <a:t>Tests against the real web app</a:t>
+            </a:r>
+          </a:p>
+          <a:p>
+            <a:pPr marL="914400" lvl="1" indent="-457200">
+              <a:buFont typeface="Arial"/>
+              <a:buChar char="•"/>
+            </a:pPr>
+            <a:r>
+              <a:rPr lang="en-US" sz="2400" dirty="0"/>
+              <a:t>Easily run within the IDE or command line</a:t>
+            </a:r>
+          </a:p>
+          <a:p>
+            <a:pPr marL="914400" lvl="1" indent="-457200">
+              <a:buFont typeface="Arial"/>
+              <a:buChar char="•"/>
+            </a:pPr>
+            <a:r>
+              <a:rPr lang="en-US" sz="2400" dirty="0"/>
+              <a:t>Great for debugging</a:t>
+            </a:r>
+          </a:p>
+          <a:p>
+            <a:pPr marL="457200" indent="-457200">
+              <a:buFont typeface="Arial"/>
+              <a:buChar char="•"/>
+            </a:pPr>
+            <a:r>
+              <a:rPr lang="en-US" sz="2400" dirty="0"/>
+              <a:t>Tests leverage the Domain Models and Services directly so it’s easy to keep them up to date</a:t>
+            </a:r>
+          </a:p>
+        </p:txBody>
+      </p:sp>
+    </p:spTree>
+    <p:extLst>
+      <p:ext uri="{BB962C8B-B14F-4D97-AF65-F5344CB8AC3E}">
+        <p14:creationId xmlns:p14="http://schemas.microsoft.com/office/powerpoint/2010/main" val="2540171115"/>
+      </p:ext>
+    </p:extLst>
+  </p:cSld>
+  <p:clrMapOvr>
+    <a:masterClrMapping/>
+  </p:clrMapOvr>
+  <p:timing>
+    <p:tnLst>
+      <p:par>
+        <p:cTn xmlns:p14="http://schemas.microsoft.com/office/powerpoint/2010/main" id="1" dur="indefinite" restart="never" nodeType="tmRoot">
+          <p:childTnLst>
+            <p:seq>
+              <p:cTn id="2" nodeType="mainSeq"/>
+              <p:prevCondLst>
+                <p:cond evt="onPrev" delay="0">
+                  <p:tgtEl>
+                    <p:sldTgt/>
+                  </p:tgtEl>
+                </p:cond>
+              </p:prevCondLst>
+              <p:nextCondLst>
+                <p:cond evt="onNext" delay="0">
+                  <p:tgtEl>
+                    <p:sldTgt/>
+                  </p:tgtEl>
+                </p:cond>
+              </p:nextCondLst>
+            </p:seq>
+          </p:childTnLst>
+        </p:cTn>
+      </p:par>
+    </p:tnLst>
+  </p:timing>
+</p:sld>
+</file>
+
+<file path=ppt/slides/slide15.xml><?xml version="1.0" encoding="utf-8"?>
+<p:sld xmlns:a="http://schemas.openxmlformats.org/drawingml/2006/main" xmlns:r="http://schemas.openxmlformats.org/officeDocument/2006/relationships" xmlns:p="http://schemas.openxmlformats.org/presentationml/2006/main">
+  <p:cSld>
+    <p:spTree>
+      <p:nvGrpSpPr>
+        <p:cNvPr id="1" name=""/>
+        <p:cNvGrpSpPr/>
+        <p:nvPr/>
+      </p:nvGrpSpPr>
+      <p:grpSpPr>
+        <a:xfrm>
+          <a:off x="0" y="0"/>
+          <a:ext cx="0" cy="0"/>
+          <a:chOff x="0" y="0"/>
+          <a:chExt cx="0" cy="0"/>
+        </a:xfrm>
+      </p:grpSpPr>
+      <p:sp>
+        <p:nvSpPr>
           <p:cNvPr id="2" name="Title 1"/>
           <p:cNvSpPr>
             <a:spLocks noGrp="1"/>
@@ -4463,7 +6330,7 @@
         <p:spPr/>
         <p:txBody>
           <a:bodyPr>
-            <a:normAutofit/>
+            <a:normAutofit fontScale="92500" lnSpcReduction="20000"/>
           </a:bodyPr>
           <a:lstStyle/>
           <a:p>
@@ -4495,11 +6362,36 @@
               <a:rPr lang="en-US" dirty="0" smtClean="0"/>
               <a:t>Cut some “Special Feature” Scope</a:t>
             </a:r>
+          </a:p>
+          <a:p>
+            <a:pPr lvl="2"/>
+            <a:r>
+              <a:rPr lang="en-US" dirty="0" smtClean="0"/>
+              <a:t>Simplify the plate editor</a:t>
+            </a:r>
+          </a:p>
+          <a:p>
+            <a:pPr lvl="1"/>
             <a:endParaRPr lang="en-US" dirty="0" smtClean="0"/>
           </a:p>
           <a:p>
             <a:pPr lvl="1"/>
+            <a:r>
+              <a:rPr lang="en-US" dirty="0" smtClean="0"/>
+              <a:t>Curve fitting with Java library (difficult to implement)</a:t>
+            </a:r>
+          </a:p>
+          <a:p>
+            <a:pPr lvl="2"/>
+            <a:r>
+              <a:rPr lang="en-US" dirty="0" smtClean="0"/>
+              <a:t>Shell out to Python LMFIT for now</a:t>
+            </a:r>
             <a:endParaRPr lang="en-US" dirty="0"/>
+          </a:p>
+          <a:p>
+            <a:pPr lvl="1"/>
+            <a:endParaRPr lang="en-US" dirty="0" smtClean="0"/>
           </a:p>
           <a:p>
             <a:pPr lvl="1"/>
@@ -4552,8 +6444,13 @@
             <a:pPr lvl="2"/>
             <a:r>
               <a:rPr lang="en-US" dirty="0" smtClean="0"/>
-              <a:t>Professor and TA may be able to get more</a:t>
-            </a:r>
+              <a:t>Professor </a:t>
+            </a:r>
+            <a:r>
+              <a:rPr lang="en-US" dirty="0" smtClean="0"/>
+              <a:t>working on providing</a:t>
+            </a:r>
+            <a:endParaRPr lang="en-US" dirty="0" smtClean="0"/>
           </a:p>
           <a:p>
             <a:endParaRPr lang="en-US" dirty="0" smtClean="0"/>
@@ -4828,27 +6725,52 @@
           <a:p>
             <a:r>
               <a:rPr lang="en-US" dirty="0" smtClean="0"/>
-              <a:t>Project Status</a:t>
+              <a:t>Project Status - Alan</a:t>
             </a:r>
             <a:endParaRPr lang="en-US" dirty="0" smtClean="0"/>
           </a:p>
           <a:p>
             <a:r>
               <a:rPr lang="en-US" dirty="0" smtClean="0"/>
-              <a:t>System Design – ??</a:t>
-            </a:r>
-          </a:p>
-          <a:p>
+              <a:t>System </a:t>
+            </a:r>
             <a:r>
               <a:rPr lang="en-US" dirty="0" smtClean="0"/>
-              <a:t>System Demo – ?? </a:t>
-            </a:r>
-          </a:p>
-          <a:p>
+              <a:t>Demo – </a:t>
+            </a:r>
             <a:r>
               <a:rPr lang="en-US" dirty="0" smtClean="0"/>
-              <a:t>Testing – ??</a:t>
-            </a:r>
+              <a:t>Sean</a:t>
+            </a:r>
+            <a:endParaRPr lang="en-US" dirty="0" smtClean="0"/>
+          </a:p>
+          <a:p>
+            <a:r>
+              <a:rPr lang="en-US" dirty="0" smtClean="0"/>
+              <a:t>Features for Milestone 3 - Alex</a:t>
+            </a:r>
+          </a:p>
+          <a:p>
+            <a:r>
+              <a:rPr lang="en-US" dirty="0"/>
+              <a:t>System Design – </a:t>
+            </a:r>
+            <a:r>
+              <a:rPr lang="en-US" dirty="0" smtClean="0"/>
+              <a:t>Mark</a:t>
+            </a:r>
+            <a:endParaRPr lang="en-US" dirty="0" smtClean="0"/>
+          </a:p>
+          <a:p>
+            <a:r>
+              <a:rPr lang="en-US" dirty="0" smtClean="0"/>
+              <a:t>Testing – </a:t>
+            </a:r>
+            <a:r>
+              <a:rPr lang="en-US" dirty="0" smtClean="0"/>
+              <a:t>Mark / Tim</a:t>
+            </a:r>
+            <a:endParaRPr lang="en-US" dirty="0" smtClean="0"/>
           </a:p>
           <a:p>
             <a:r>
@@ -4861,8 +6783,13 @@
             </a:r>
             <a:r>
               <a:rPr lang="en-US" dirty="0" smtClean="0"/>
-              <a:t>- ??</a:t>
-            </a:r>
+              <a:t>- </a:t>
+            </a:r>
+            <a:r>
+              <a:rPr lang="en-US" dirty="0" smtClean="0"/>
+              <a:t>Tim</a:t>
+            </a:r>
+            <a:endParaRPr lang="en-US" dirty="0" smtClean="0"/>
           </a:p>
         </p:txBody>
       </p:sp>
@@ -4994,7 +6921,7 @@
           <a:p>
             <a:r>
               <a:rPr lang="en-US" sz="2000" dirty="0" smtClean="0"/>
-              <a:t>Projected Completion base on Velocity</a:t>
+              <a:t>Projected Completion based on Velocity</a:t>
             </a:r>
           </a:p>
           <a:p>
@@ -5258,7 +7185,7 @@
           <p:nvPr>
             <p:extLst>
               <p:ext uri="{D42A27DB-BD31-4B8C-83A1-F6EECF244321}">
-                <p14:modId xmlns:p14="http://schemas.microsoft.com/office/powerpoint/2010/main" val="371641620"/>
+                <p14:modId xmlns:p14="http://schemas.microsoft.com/office/powerpoint/2010/main" val="140499255"/>
               </p:ext>
             </p:extLst>
           </p:nvPr>
@@ -5271,7 +7198,7 @@
           <a:graphicData uri="http://schemas.openxmlformats.org/presentationml/2006/ole">
             <mc:AlternateContent xmlns:mc="http://schemas.openxmlformats.org/markup-compatibility/2006">
               <mc:Choice xmlns:v="urn:schemas-microsoft-com:vml" Requires="v">
-                <p:oleObj spid="_x0000_s1031" name="Document" r:id="rId3" imgW="6819900" imgH="2514600" progId="Word.Document.12">
+                <p:oleObj spid="_x0000_s1034" name="Document" r:id="rId3" imgW="6819900" imgH="2514600" progId="Word.Document.12">
                   <p:embed/>
                 </p:oleObj>
               </mc:Choice>
@@ -6222,7 +8149,7 @@
         </p:nvSpPr>
         <p:spPr>
           <a:xfrm>
-            <a:off x="457200" y="1600200"/>
+            <a:off x="457200" y="1587500"/>
             <a:ext cx="8229240" cy="4572000"/>
           </a:xfrm>
           <a:prstGeom prst="rect">
@@ -6237,10 +8164,50 @@
           <a:bodyPr/>
           <a:lstStyle/>
           <a:p>
+            <a:pPr marL="342900" indent="-342900">
+              <a:buSzPct val="45000"/>
+              <a:buFont typeface="Arial"/>
+              <a:buChar char="•"/>
+            </a:pPr>
+            <a:r>
+              <a:rPr lang="en-US" sz="2400" dirty="0" smtClean="0"/>
+              <a:t>Heat Maps</a:t>
+            </a:r>
+          </a:p>
+          <a:p>
             <a:pPr>
               <a:buSzPct val="45000"/>
             </a:pPr>
-            <a:endParaRPr sz="2000" dirty="0"/>
+            <a:endParaRPr lang="en-US" sz="2400" dirty="0" smtClean="0"/>
+          </a:p>
+          <a:p>
+            <a:pPr marL="342900" indent="-342900">
+              <a:buSzPct val="45000"/>
+              <a:buFont typeface="Arial"/>
+              <a:buChar char="•"/>
+            </a:pPr>
+            <a:r>
+              <a:rPr lang="en-US" sz="2400" dirty="0" smtClean="0"/>
+              <a:t>Omni Map</a:t>
+            </a:r>
+          </a:p>
+          <a:p>
+            <a:pPr>
+              <a:buSzPct val="45000"/>
+            </a:pPr>
+            <a:endParaRPr lang="en-US" sz="2400" dirty="0" smtClean="0"/>
+          </a:p>
+          <a:p>
+            <a:pPr marL="342900" indent="-342900">
+              <a:buSzPct val="45000"/>
+              <a:buFont typeface="Arial"/>
+              <a:buChar char="•"/>
+            </a:pPr>
+            <a:r>
+              <a:rPr lang="en-US" sz="2400" dirty="0" smtClean="0"/>
+              <a:t>Control Wells</a:t>
+            </a:r>
+            <a:endParaRPr sz="2400" dirty="0"/>
           </a:p>
         </p:txBody>
       </p:sp>

--- a/docs/Presentations/WestEastMilestone2Presentation_v1.pptx
+++ b/docs/Presentations/WestEastMilestone2Presentation_v1.pptx
@@ -164,17 +164,7 @@
     </c:title>
     <c:autoTitleDeleted val="0"/>
     <c:plotArea>
-      <c:layout>
-        <c:manualLayout>
-          <c:layoutTarget val="inner"/>
-          <c:xMode val="edge"/>
-          <c:yMode val="edge"/>
-          <c:x val="0.123392782615954"/>
-          <c:y val="0.141558441558442"/>
-          <c:w val="0.832835202136835"/>
-          <c:h val="0.608160599243276"/>
-        </c:manualLayout>
-      </c:layout>
+      <c:layout/>
       <c:scatterChart>
         <c:scatterStyle val="lineMarker"/>
         <c:varyColors val="0"/>
@@ -244,34 +234,34 @@
                   <c:v>360.0</c:v>
                 </c:pt>
                 <c:pt idx="1">
-                  <c:v>360.0</c:v>
+                  <c:v>395.0</c:v>
                 </c:pt>
                 <c:pt idx="2">
-                  <c:v>360.0</c:v>
+                  <c:v>395.0</c:v>
                 </c:pt>
                 <c:pt idx="3">
-                  <c:v>360.0</c:v>
+                  <c:v>395.0</c:v>
                 </c:pt>
                 <c:pt idx="4">
-                  <c:v>360.0</c:v>
+                  <c:v>395.0</c:v>
                 </c:pt>
                 <c:pt idx="5">
-                  <c:v>360.0</c:v>
+                  <c:v>395.0</c:v>
                 </c:pt>
                 <c:pt idx="6">
-                  <c:v>360.0</c:v>
+                  <c:v>395.0</c:v>
                 </c:pt>
                 <c:pt idx="7">
-                  <c:v>360.0</c:v>
+                  <c:v>395.0</c:v>
                 </c:pt>
                 <c:pt idx="8">
-                  <c:v>360.0</c:v>
+                  <c:v>395.0</c:v>
                 </c:pt>
                 <c:pt idx="9">
-                  <c:v>360.0</c:v>
+                  <c:v>395.0</c:v>
                 </c:pt>
                 <c:pt idx="10">
-                  <c:v>360.0</c:v>
+                  <c:v>395.0</c:v>
                 </c:pt>
               </c:numCache>
             </c:numRef>
@@ -356,7 +346,7 @@
                   <c:v>129.0</c:v>
                 </c:pt>
                 <c:pt idx="5">
-                  <c:v>154.0</c:v>
+                  <c:v>182.0</c:v>
                 </c:pt>
                 <c:pt idx="6">
                   <c:v>#N/A</c:v>
@@ -480,7 +470,7 @@
                   <c:v>#N/A</c:v>
                 </c:pt>
                 <c:pt idx="10">
-                  <c:v>360.0</c:v>
+                  <c:v>395.0</c:v>
                 </c:pt>
               </c:numCache>
             </c:numRef>
@@ -495,11 +485,11 @@
           <c:showPercent val="0"/>
           <c:showBubbleSize val="0"/>
         </c:dLbls>
-        <c:axId val="-2133708280"/>
-        <c:axId val="-2133561544"/>
+        <c:axId val="2079999080"/>
+        <c:axId val="-2130634488"/>
       </c:scatterChart>
       <c:valAx>
-        <c:axId val="-2133708280"/>
+        <c:axId val="2079999080"/>
         <c:scaling>
           <c:orientation val="minMax"/>
           <c:max val="10.0"/>
@@ -530,12 +520,12 @@
         <c:majorTickMark val="out"/>
         <c:minorTickMark val="none"/>
         <c:tickLblPos val="nextTo"/>
-        <c:crossAx val="-2133561544"/>
+        <c:crossAx val="-2130634488"/>
         <c:crosses val="autoZero"/>
         <c:crossBetween val="midCat"/>
       </c:valAx>
       <c:valAx>
-        <c:axId val="-2133561544"/>
+        <c:axId val="-2130634488"/>
         <c:scaling>
           <c:orientation val="minMax"/>
         </c:scaling>
@@ -564,7 +554,460 @@
         <c:majorTickMark val="out"/>
         <c:minorTickMark val="none"/>
         <c:tickLblPos val="nextTo"/>
-        <c:crossAx val="-2133708280"/>
+        <c:crossAx val="2079999080"/>
+        <c:crosses val="autoZero"/>
+        <c:crossBetween val="midCat"/>
+      </c:valAx>
+    </c:plotArea>
+    <c:legend>
+      <c:legendPos val="b"/>
+      <c:layout/>
+      <c:overlay val="0"/>
+    </c:legend>
+    <c:plotVisOnly val="1"/>
+    <c:dispBlanksAs val="gap"/>
+    <c:showDLblsOverMax val="0"/>
+  </c:chart>
+  <c:externalData r:id="rId1">
+    <c:autoUpdate val="0"/>
+  </c:externalData>
+</c:chartSpace>
+</file>
+
+<file path=ppt/charts/chart2.xml><?xml version="1.0" encoding="utf-8"?>
+<c:chartSpace xmlns:c="http://schemas.openxmlformats.org/drawingml/2006/chart" xmlns:a="http://schemas.openxmlformats.org/drawingml/2006/main" xmlns:r="http://schemas.openxmlformats.org/officeDocument/2006/relationships">
+  <c:date1904 val="0"/>
+  <c:lang val="en-US"/>
+  <c:roundedCorners val="0"/>
+  <mc:AlternateContent xmlns:mc="http://schemas.openxmlformats.org/markup-compatibility/2006">
+    <mc:Choice xmlns:c14="http://schemas.microsoft.com/office/drawing/2007/8/2/chart" Requires="c14">
+      <c14:style val="118"/>
+    </mc:Choice>
+    <mc:Fallback>
+      <c:style val="18"/>
+    </mc:Fallback>
+  </mc:AlternateContent>
+  <c:chart>
+    <c:title>
+      <c:tx>
+        <c:rich>
+          <a:bodyPr/>
+          <a:lstStyle/>
+          <a:p>
+            <a:pPr>
+              <a:defRPr/>
+            </a:pPr>
+            <a:r>
+              <a:rPr lang="en-US"/>
+              <a:t> We</a:t>
+            </a:r>
+            <a:r>
+              <a:rPr lang="en-US" baseline="0"/>
+              <a:t>99 Projected </a:t>
+            </a:r>
+            <a:r>
+              <a:rPr lang="en-US"/>
+              <a:t>Burn-up Chart</a:t>
+            </a:r>
+          </a:p>
+        </c:rich>
+      </c:tx>
+      <c:layout/>
+      <c:overlay val="0"/>
+    </c:title>
+    <c:autoTitleDeleted val="0"/>
+    <c:plotArea>
+      <c:layout/>
+      <c:scatterChart>
+        <c:scatterStyle val="lineMarker"/>
+        <c:varyColors val="0"/>
+        <c:ser>
+          <c:idx val="0"/>
+          <c:order val="0"/>
+          <c:tx>
+            <c:strRef>
+              <c:f>Sheet1!$B$1</c:f>
+              <c:strCache>
+                <c:ptCount val="1"/>
+                <c:pt idx="0">
+                  <c:v>Project Total Points</c:v>
+                </c:pt>
+              </c:strCache>
+            </c:strRef>
+          </c:tx>
+          <c:xVal>
+            <c:numRef>
+              <c:f>Sheet1!$A$2:$A$12</c:f>
+              <c:numCache>
+                <c:formatCode>General</c:formatCode>
+                <c:ptCount val="11"/>
+                <c:pt idx="0">
+                  <c:v>0.0</c:v>
+                </c:pt>
+                <c:pt idx="1">
+                  <c:v>1.0</c:v>
+                </c:pt>
+                <c:pt idx="2">
+                  <c:v>2.0</c:v>
+                </c:pt>
+                <c:pt idx="3">
+                  <c:v>3.0</c:v>
+                </c:pt>
+                <c:pt idx="4">
+                  <c:v>4.0</c:v>
+                </c:pt>
+                <c:pt idx="5">
+                  <c:v>5.0</c:v>
+                </c:pt>
+                <c:pt idx="6">
+                  <c:v>6.0</c:v>
+                </c:pt>
+                <c:pt idx="7">
+                  <c:v>7.0</c:v>
+                </c:pt>
+                <c:pt idx="8">
+                  <c:v>8.0</c:v>
+                </c:pt>
+                <c:pt idx="9">
+                  <c:v>9.0</c:v>
+                </c:pt>
+                <c:pt idx="10">
+                  <c:v>10.0</c:v>
+                </c:pt>
+              </c:numCache>
+            </c:numRef>
+          </c:xVal>
+          <c:yVal>
+            <c:numRef>
+              <c:f>Sheet1!$B$2:$B$12</c:f>
+              <c:numCache>
+                <c:formatCode>General</c:formatCode>
+                <c:ptCount val="11"/>
+                <c:pt idx="0">
+                  <c:v>360.0</c:v>
+                </c:pt>
+                <c:pt idx="1">
+                  <c:v>395.0</c:v>
+                </c:pt>
+                <c:pt idx="2">
+                  <c:v>395.0</c:v>
+                </c:pt>
+                <c:pt idx="3">
+                  <c:v>395.0</c:v>
+                </c:pt>
+                <c:pt idx="4">
+                  <c:v>395.0</c:v>
+                </c:pt>
+                <c:pt idx="5">
+                  <c:v>395.0</c:v>
+                </c:pt>
+                <c:pt idx="6">
+                  <c:v>395.0</c:v>
+                </c:pt>
+                <c:pt idx="7">
+                  <c:v>395.0</c:v>
+                </c:pt>
+                <c:pt idx="8">
+                  <c:v>395.0</c:v>
+                </c:pt>
+                <c:pt idx="9">
+                  <c:v>395.0</c:v>
+                </c:pt>
+                <c:pt idx="10">
+                  <c:v>395.0</c:v>
+                </c:pt>
+              </c:numCache>
+            </c:numRef>
+          </c:yVal>
+          <c:smooth val="0"/>
+        </c:ser>
+        <c:ser>
+          <c:idx val="1"/>
+          <c:order val="1"/>
+          <c:tx>
+            <c:strRef>
+              <c:f>Sheet1!$D$1</c:f>
+              <c:strCache>
+                <c:ptCount val="1"/>
+                <c:pt idx="0">
+                  <c:v>Cumulative Completed</c:v>
+                </c:pt>
+              </c:strCache>
+            </c:strRef>
+          </c:tx>
+          <c:xVal>
+            <c:numRef>
+              <c:f>Sheet1!$A$2:$A$12</c:f>
+              <c:numCache>
+                <c:formatCode>General</c:formatCode>
+                <c:ptCount val="11"/>
+                <c:pt idx="0">
+                  <c:v>0.0</c:v>
+                </c:pt>
+                <c:pt idx="1">
+                  <c:v>1.0</c:v>
+                </c:pt>
+                <c:pt idx="2">
+                  <c:v>2.0</c:v>
+                </c:pt>
+                <c:pt idx="3">
+                  <c:v>3.0</c:v>
+                </c:pt>
+                <c:pt idx="4">
+                  <c:v>4.0</c:v>
+                </c:pt>
+                <c:pt idx="5">
+                  <c:v>5.0</c:v>
+                </c:pt>
+                <c:pt idx="6">
+                  <c:v>6.0</c:v>
+                </c:pt>
+                <c:pt idx="7">
+                  <c:v>7.0</c:v>
+                </c:pt>
+                <c:pt idx="8">
+                  <c:v>8.0</c:v>
+                </c:pt>
+                <c:pt idx="9">
+                  <c:v>9.0</c:v>
+                </c:pt>
+                <c:pt idx="10">
+                  <c:v>10.0</c:v>
+                </c:pt>
+              </c:numCache>
+            </c:numRef>
+          </c:xVal>
+          <c:yVal>
+            <c:numRef>
+              <c:f>Sheet1!$D$2:$D$12</c:f>
+              <c:numCache>
+                <c:formatCode>General</c:formatCode>
+                <c:ptCount val="11"/>
+                <c:pt idx="0">
+                  <c:v>0.0</c:v>
+                </c:pt>
+                <c:pt idx="1">
+                  <c:v>36.0</c:v>
+                </c:pt>
+                <c:pt idx="2">
+                  <c:v>66.0</c:v>
+                </c:pt>
+                <c:pt idx="3">
+                  <c:v>76.0</c:v>
+                </c:pt>
+                <c:pt idx="4">
+                  <c:v>129.0</c:v>
+                </c:pt>
+                <c:pt idx="5">
+                  <c:v>182.0</c:v>
+                </c:pt>
+                <c:pt idx="6">
+                  <c:v>219.0</c:v>
+                </c:pt>
+                <c:pt idx="7">
+                  <c:v>256.0</c:v>
+                </c:pt>
+                <c:pt idx="8">
+                  <c:v>293.0</c:v>
+                </c:pt>
+                <c:pt idx="9">
+                  <c:v>330.0</c:v>
+                </c:pt>
+                <c:pt idx="10">
+                  <c:v>367.0</c:v>
+                </c:pt>
+              </c:numCache>
+            </c:numRef>
+          </c:yVal>
+          <c:smooth val="0"/>
+        </c:ser>
+        <c:ser>
+          <c:idx val="2"/>
+          <c:order val="2"/>
+          <c:tx>
+            <c:strRef>
+              <c:f>Sheet1!$E$1</c:f>
+              <c:strCache>
+                <c:ptCount val="1"/>
+                <c:pt idx="0">
+                  <c:v>Estimated Trajectory</c:v>
+                </c:pt>
+              </c:strCache>
+            </c:strRef>
+          </c:tx>
+          <c:spPr>
+            <a:ln w="19050">
+              <a:prstDash val="dash"/>
+            </a:ln>
+          </c:spPr>
+          <c:dPt>
+            <c:idx val="10"/>
+            <c:bubble3D val="0"/>
+          </c:dPt>
+          <c:xVal>
+            <c:numRef>
+              <c:f>Sheet1!$A$2:$A$12</c:f>
+              <c:numCache>
+                <c:formatCode>General</c:formatCode>
+                <c:ptCount val="11"/>
+                <c:pt idx="0">
+                  <c:v>0.0</c:v>
+                </c:pt>
+                <c:pt idx="1">
+                  <c:v>1.0</c:v>
+                </c:pt>
+                <c:pt idx="2">
+                  <c:v>2.0</c:v>
+                </c:pt>
+                <c:pt idx="3">
+                  <c:v>3.0</c:v>
+                </c:pt>
+                <c:pt idx="4">
+                  <c:v>4.0</c:v>
+                </c:pt>
+                <c:pt idx="5">
+                  <c:v>5.0</c:v>
+                </c:pt>
+                <c:pt idx="6">
+                  <c:v>6.0</c:v>
+                </c:pt>
+                <c:pt idx="7">
+                  <c:v>7.0</c:v>
+                </c:pt>
+                <c:pt idx="8">
+                  <c:v>8.0</c:v>
+                </c:pt>
+                <c:pt idx="9">
+                  <c:v>9.0</c:v>
+                </c:pt>
+                <c:pt idx="10">
+                  <c:v>10.0</c:v>
+                </c:pt>
+              </c:numCache>
+            </c:numRef>
+          </c:xVal>
+          <c:yVal>
+            <c:numRef>
+              <c:f>Sheet1!$E$2:$E$12</c:f>
+              <c:numCache>
+                <c:formatCode>General</c:formatCode>
+                <c:ptCount val="11"/>
+                <c:pt idx="0">
+                  <c:v>0.0</c:v>
+                </c:pt>
+                <c:pt idx="1">
+                  <c:v>#N/A</c:v>
+                </c:pt>
+                <c:pt idx="2">
+                  <c:v>#N/A</c:v>
+                </c:pt>
+                <c:pt idx="3">
+                  <c:v>#N/A</c:v>
+                </c:pt>
+                <c:pt idx="4">
+                  <c:v>#N/A</c:v>
+                </c:pt>
+                <c:pt idx="5">
+                  <c:v>#N/A</c:v>
+                </c:pt>
+                <c:pt idx="6">
+                  <c:v>#N/A</c:v>
+                </c:pt>
+                <c:pt idx="7">
+                  <c:v>#N/A</c:v>
+                </c:pt>
+                <c:pt idx="8">
+                  <c:v>#N/A</c:v>
+                </c:pt>
+                <c:pt idx="9">
+                  <c:v>#N/A</c:v>
+                </c:pt>
+                <c:pt idx="10">
+                  <c:v>395.0</c:v>
+                </c:pt>
+              </c:numCache>
+            </c:numRef>
+          </c:yVal>
+          <c:smooth val="0"/>
+        </c:ser>
+        <c:dLbls>
+          <c:showLegendKey val="0"/>
+          <c:showVal val="0"/>
+          <c:showCatName val="0"/>
+          <c:showSerName val="0"/>
+          <c:showPercent val="0"/>
+          <c:showBubbleSize val="0"/>
+        </c:dLbls>
+        <c:axId val="-2130446120"/>
+        <c:axId val="-2130635080"/>
+      </c:scatterChart>
+      <c:valAx>
+        <c:axId val="-2130446120"/>
+        <c:scaling>
+          <c:orientation val="minMax"/>
+          <c:max val="10.0"/>
+          <c:min val="0.0"/>
+        </c:scaling>
+        <c:delete val="0"/>
+        <c:axPos val="b"/>
+        <c:title>
+          <c:tx>
+            <c:rich>
+              <a:bodyPr/>
+              <a:lstStyle/>
+              <a:p>
+                <a:pPr>
+                  <a:defRPr/>
+                </a:pPr>
+                <a:r>
+                  <a:rPr lang="en-US"/>
+                  <a:t>Sprint / iteration</a:t>
+                </a:r>
+              </a:p>
+            </c:rich>
+          </c:tx>
+          <c:layout/>
+          <c:overlay val="0"/>
+        </c:title>
+        <c:numFmt formatCode="General" sourceLinked="1"/>
+        <c:majorTickMark val="out"/>
+        <c:minorTickMark val="none"/>
+        <c:tickLblPos val="nextTo"/>
+        <c:crossAx val="-2130635080"/>
+        <c:crosses val="autoZero"/>
+        <c:crossBetween val="midCat"/>
+      </c:valAx>
+      <c:valAx>
+        <c:axId val="-2130635080"/>
+        <c:scaling>
+          <c:orientation val="minMax"/>
+        </c:scaling>
+        <c:delete val="0"/>
+        <c:axPos val="l"/>
+        <c:title>
+          <c:tx>
+            <c:rich>
+              <a:bodyPr rot="0" vert="horz"/>
+              <a:lstStyle/>
+              <a:p>
+                <a:pPr>
+                  <a:defRPr/>
+                </a:pPr>
+                <a:r>
+                  <a:rPr lang="en-US"/>
+                  <a:t>Points</a:t>
+                </a:r>
+              </a:p>
+            </c:rich>
+          </c:tx>
+          <c:layout/>
+          <c:overlay val="0"/>
+        </c:title>
+        <c:numFmt formatCode="General" sourceLinked="1"/>
+        <c:majorTickMark val="out"/>
+        <c:minorTickMark val="none"/>
+        <c:tickLblPos val="nextTo"/>
+        <c:crossAx val="-2130446120"/>
         <c:crosses val="autoZero"/>
         <c:crossBetween val="midCat"/>
       </c:valAx>
@@ -772,7 +1215,7 @@
           <a:p>
             <a:fld id="{C8A432C8-69A7-458B-9684-2BFA64B31948}" type="datetime2">
               <a:rPr lang="en-US" smtClean="0"/>
-              <a:t>Monday, April 6, 15</a:t>
+              <a:t>Wednesday, April 8, 15</a:t>
             </a:fld>
             <a:endParaRPr lang="en-US" dirty="0"/>
           </a:p>
@@ -974,7 +1417,7 @@
           <a:p>
             <a:fld id="{8CC057FC-95B6-4D89-AFDA-ABA33EE921E5}" type="datetime2">
               <a:rPr lang="en-US" smtClean="0"/>
-              <a:t>Monday, April 6, 15</a:t>
+              <a:t>Wednesday, April 8, 15</a:t>
             </a:fld>
             <a:endParaRPr lang="en-US" dirty="0"/>
           </a:p>
@@ -1151,7 +1594,7 @@
           <a:p>
             <a:fld id="{EC4549AC-EB31-477F-92A9-B1988E232878}" type="datetime2">
               <a:rPr lang="en-US" smtClean="0"/>
-              <a:t>Monday, April 6, 15</a:t>
+              <a:t>Wednesday, April 8, 15</a:t>
             </a:fld>
             <a:endParaRPr lang="en-US" dirty="0"/>
           </a:p>
@@ -1318,7 +1761,7 @@
           <a:p>
             <a:fld id="{6396A3A3-94A6-4E5B-AF39-173ACA3E61CC}" type="datetime2">
               <a:rPr lang="en-US" smtClean="0"/>
-              <a:t>Monday, April 6, 15</a:t>
+              <a:t>Wednesday, April 8, 15</a:t>
             </a:fld>
             <a:endParaRPr lang="en-US" dirty="0"/>
           </a:p>
@@ -1568,7 +2011,7 @@
           <a:p>
             <a:fld id="{9933D019-A32C-4EAD-B8E6-DBDA699692FD}" type="datetime2">
               <a:rPr lang="en-US" smtClean="0"/>
-              <a:t>Monday, April 6, 15</a:t>
+              <a:t>Wednesday, April 8, 15</a:t>
             </a:fld>
             <a:endParaRPr lang="en-US" dirty="0"/>
           </a:p>
@@ -1888,7 +2331,7 @@
           <a:p>
             <a:fld id="{CCEBA98F-560C-4997-81C4-81D4D9187EAB}" type="datetime2">
               <a:rPr lang="en-US" smtClean="0"/>
-              <a:t>Monday, April 6, 15</a:t>
+              <a:t>Wednesday, April 8, 15</a:t>
             </a:fld>
             <a:endParaRPr lang="en-US" dirty="0"/>
           </a:p>
@@ -2356,7 +2799,7 @@
           <a:p>
             <a:fld id="{150972B2-CA5C-437D-87D0-8081271A9E4B}" type="datetime2">
               <a:rPr lang="en-US" smtClean="0"/>
-              <a:t>Monday, April 6, 15</a:t>
+              <a:t>Wednesday, April 8, 15</a:t>
             </a:fld>
             <a:endParaRPr lang="en-US" dirty="0"/>
           </a:p>
@@ -2506,7 +2949,7 @@
           <a:p>
             <a:fld id="{79CD4847-11EF-4466-A8AD-85CDB7B49118}" type="datetime2">
               <a:rPr lang="en-US" smtClean="0"/>
-              <a:t>Monday, April 6, 15</a:t>
+              <a:t>Wednesday, April 8, 15</a:t>
             </a:fld>
             <a:endParaRPr lang="en-US" dirty="0"/>
           </a:p>
@@ -2598,7 +3041,7 @@
           <a:p>
             <a:fld id="{F168457A-3AB9-4880-8A0C-9F8524491207}" type="datetime2">
               <a:rPr lang="en-US" smtClean="0"/>
-              <a:t>Monday, April 6, 15</a:t>
+              <a:t>Wednesday, April 8, 15</a:t>
             </a:fld>
             <a:endParaRPr lang="en-US" dirty="0"/>
           </a:p>
@@ -2874,7 +3317,7 @@
           <a:p>
             <a:fld id="{3FE976D3-5B7F-4300-ABED-C91F1B2AE209}" type="datetime2">
               <a:rPr lang="en-US" smtClean="0"/>
-              <a:t>Monday, April 6, 15</a:t>
+              <a:t>Wednesday, April 8, 15</a:t>
             </a:fld>
             <a:endParaRPr lang="en-US" dirty="0"/>
           </a:p>
@@ -3181,7 +3624,7 @@
           <a:p>
             <a:fld id="{EBDC1E59-17DD-41CE-97CA-624A472382D4}" type="datetime2">
               <a:rPr lang="en-US" smtClean="0"/>
-              <a:t>Monday, April 6, 15</a:t>
+              <a:t>Wednesday, April 8, 15</a:t>
             </a:fld>
             <a:endParaRPr lang="en-US" dirty="0"/>
           </a:p>
@@ -3481,7 +3924,7 @@
           <a:p>
             <a:fld id="{A80CB818-7379-467D-8E76-EF9D9074A26C}" type="datetime2">
               <a:rPr lang="en-US" smtClean="0"/>
-              <a:t>Monday, April 6, 15</a:t>
+              <a:t>Wednesday, April 8, 15</a:t>
             </a:fld>
             <a:endParaRPr lang="en-US" dirty="0"/>
           </a:p>
@@ -4227,7 +4670,7 @@
         <p:spPr>
           <a:xfrm>
             <a:off x="622300" y="1523880"/>
-            <a:ext cx="7886700" cy="4708981"/>
+            <a:ext cx="7886700" cy="5447645"/>
           </a:xfrm>
           <a:prstGeom prst="rect">
             <a:avLst/>
@@ -4269,7 +4712,7 @@
             </a:pPr>
             <a:r>
               <a:rPr lang="en-US" sz="2400" dirty="0" smtClean="0"/>
-              <a:t>Knock-out points</a:t>
+              <a:t>Knock-out points </a:t>
             </a:r>
           </a:p>
           <a:p>
@@ -4283,7 +4726,19 @@
             </a:r>
           </a:p>
           <a:p>
-            <a:pPr lvl="1"/>
+            <a:endParaRPr lang="en-US" sz="2400" dirty="0"/>
+          </a:p>
+          <a:p>
+            <a:pPr marL="342900" indent="-342900">
+              <a:buFont typeface="Arial"/>
+              <a:buChar char="•"/>
+            </a:pPr>
+            <a:r>
+              <a:rPr lang="en-US" sz="2400" dirty="0" smtClean="0"/>
+              <a:t>Curve Fitting from Server Side </a:t>
+            </a:r>
+          </a:p>
+          <a:p>
             <a:endParaRPr lang="en-US" sz="2400" dirty="0" smtClean="0"/>
           </a:p>
           <a:p>
@@ -4293,11 +4748,25 @@
             </a:pPr>
             <a:r>
               <a:rPr lang="en-US" sz="2400" dirty="0" smtClean="0"/>
-              <a:t>Curve Fitting</a:t>
-            </a:r>
-          </a:p>
-          <a:p>
-            <a:endParaRPr lang="en-US" sz="2400" dirty="0" smtClean="0"/>
+              <a:t>Multiple Curve Display</a:t>
+            </a:r>
+          </a:p>
+          <a:p>
+            <a:pPr marL="742950" lvl="1" indent="-285750">
+              <a:buFont typeface="Arial"/>
+              <a:buChar char="•"/>
+            </a:pPr>
+            <a:r>
+              <a:rPr lang="en-US" sz="2400" dirty="0" smtClean="0"/>
+              <a:t> Compare Curves on Top of each other</a:t>
+            </a:r>
+          </a:p>
+          <a:p>
+            <a:pPr marL="742950" lvl="1" indent="-285750">
+              <a:buFont typeface="Arial"/>
+              <a:buChar char="•"/>
+            </a:pPr>
+            <a:endParaRPr lang="en-US" sz="2400" dirty="0"/>
           </a:p>
           <a:p>
             <a:pPr marL="285750" indent="-285750">
@@ -4306,17 +4775,7 @@
             </a:pPr>
             <a:r>
               <a:rPr lang="en-US" sz="2400" dirty="0" smtClean="0"/>
-              <a:t>Multiple Curve Display</a:t>
-            </a:r>
-          </a:p>
-          <a:p>
-            <a:pPr marL="742950" lvl="1" indent="-285750">
-              <a:buFont typeface="Arial"/>
-              <a:buChar char="•"/>
-            </a:pPr>
-            <a:r>
-              <a:rPr lang="en-US" sz="2400" dirty="0" smtClean="0"/>
-              <a:t> Compare Curves on Top of each other</a:t>
+              <a:t>User Documentation</a:t>
             </a:r>
           </a:p>
           <a:p>
@@ -5781,7 +6240,6 @@
               <a:rPr lang="en-US" sz="2000" dirty="0"/>
               <a:t> Mappers </a:t>
             </a:r>
-            <a:endParaRPr lang="en-US" sz="2000" dirty="0"/>
           </a:p>
         </p:txBody>
       </p:sp>
@@ -6353,8 +6811,13 @@
             <a:pPr lvl="2"/>
             <a:r>
               <a:rPr lang="en-US" dirty="0" smtClean="0"/>
-              <a:t>“Learning” does not count as points – velocity should increase</a:t>
-            </a:r>
+              <a:t>“Learning” does not count as points – velocity </a:t>
+            </a:r>
+            <a:r>
+              <a:rPr lang="en-US" smtClean="0"/>
+              <a:t>should increase</a:t>
+            </a:r>
+            <a:endParaRPr lang="en-US" dirty="0" smtClean="0"/>
           </a:p>
           <a:p>
             <a:pPr lvl="2"/>
@@ -6397,11 +6860,7 @@
             <a:pPr lvl="1"/>
             <a:r>
               <a:rPr lang="en-US" dirty="0" smtClean="0"/>
-              <a:t>Integration </a:t>
-            </a:r>
-            <a:r>
-              <a:rPr lang="en-US" dirty="0" smtClean="0"/>
-              <a:t>with other teams</a:t>
+              <a:t>Integration with other teams</a:t>
             </a:r>
           </a:p>
           <a:p>
@@ -6444,13 +6903,8 @@
             <a:pPr lvl="2"/>
             <a:r>
               <a:rPr lang="en-US" dirty="0" smtClean="0"/>
-              <a:t>Professor </a:t>
-            </a:r>
-            <a:r>
-              <a:rPr lang="en-US" dirty="0" smtClean="0"/>
-              <a:t>working on providing</a:t>
-            </a:r>
-            <a:endParaRPr lang="en-US" dirty="0" smtClean="0"/>
+              <a:t>Professor working on providing</a:t>
+            </a:r>
           </a:p>
           <a:p>
             <a:endParaRPr lang="en-US" dirty="0" smtClean="0"/>
@@ -6727,22 +7181,12 @@
               <a:rPr lang="en-US" dirty="0" smtClean="0"/>
               <a:t>Project Status - Alan</a:t>
             </a:r>
-            <a:endParaRPr lang="en-US" dirty="0" smtClean="0"/>
           </a:p>
           <a:p>
             <a:r>
               <a:rPr lang="en-US" dirty="0" smtClean="0"/>
-              <a:t>System </a:t>
-            </a:r>
-            <a:r>
-              <a:rPr lang="en-US" dirty="0" smtClean="0"/>
-              <a:t>Demo – </a:t>
-            </a:r>
-            <a:r>
-              <a:rPr lang="en-US" dirty="0" smtClean="0"/>
-              <a:t>Sean</a:t>
-            </a:r>
-            <a:endParaRPr lang="en-US" dirty="0" smtClean="0"/>
+              <a:t>System Demo – Sean / Alex</a:t>
+            </a:r>
           </a:p>
           <a:p>
             <a:r>
@@ -6759,37 +7203,18 @@
               <a:rPr lang="en-US" dirty="0" smtClean="0"/>
               <a:t>Mark</a:t>
             </a:r>
-            <a:endParaRPr lang="en-US" dirty="0" smtClean="0"/>
           </a:p>
           <a:p>
             <a:r>
               <a:rPr lang="en-US" dirty="0" smtClean="0"/>
-              <a:t>Testing – </a:t>
-            </a:r>
+              <a:t>Testing – Mark / Tim</a:t>
+            </a:r>
+          </a:p>
+          <a:p>
             <a:r>
               <a:rPr lang="en-US" dirty="0" smtClean="0"/>
-              <a:t>Mark / Tim</a:t>
-            </a:r>
-            <a:endParaRPr lang="en-US" dirty="0" smtClean="0"/>
-          </a:p>
-          <a:p>
-            <a:r>
-              <a:rPr lang="en-US" dirty="0" smtClean="0"/>
-              <a:t>Risks</a:t>
-            </a:r>
-            <a:r>
-              <a:rPr lang="en-US" dirty="0" smtClean="0"/>
-              <a:t> </a:t>
-            </a:r>
-            <a:r>
-              <a:rPr lang="en-US" dirty="0" smtClean="0"/>
-              <a:t>- </a:t>
-            </a:r>
-            <a:r>
-              <a:rPr lang="en-US" dirty="0" smtClean="0"/>
-              <a:t>Tim</a:t>
-            </a:r>
-            <a:endParaRPr lang="en-US" dirty="0" smtClean="0"/>
+              <a:t>Risks - Tim</a:t>
+            </a:r>
           </a:p>
         </p:txBody>
       </p:sp>
@@ -7057,21 +7482,21 @@
       </p:sp>
       <p:graphicFrame>
         <p:nvGraphicFramePr>
-          <p:cNvPr id="5" name="Chart 4"/>
+          <p:cNvPr id="6" name="Chart 5"/>
           <p:cNvGraphicFramePr>
             <a:graphicFrameLocks/>
           </p:cNvGraphicFramePr>
           <p:nvPr>
             <p:extLst>
               <p:ext uri="{D42A27DB-BD31-4B8C-83A1-F6EECF244321}">
-                <p14:modId xmlns:p14="http://schemas.microsoft.com/office/powerpoint/2010/main" val="2935409194"/>
+                <p14:modId xmlns:p14="http://schemas.microsoft.com/office/powerpoint/2010/main" val="2856850490"/>
               </p:ext>
             </p:extLst>
           </p:nvPr>
         </p:nvGraphicFramePr>
         <p:xfrm>
-          <a:off x="660400" y="1524000"/>
-          <a:ext cx="7543800" cy="4533900"/>
+          <a:off x="457200" y="1524000"/>
+          <a:ext cx="7937500" cy="4735195"/>
         </p:xfrm>
         <a:graphic>
           <a:graphicData uri="http://schemas.openxmlformats.org/drawingml/2006/chart">
@@ -7185,7 +7610,7 @@
           <p:nvPr>
             <p:extLst>
               <p:ext uri="{D42A27DB-BD31-4B8C-83A1-F6EECF244321}">
-                <p14:modId xmlns:p14="http://schemas.microsoft.com/office/powerpoint/2010/main" val="140499255"/>
+                <p14:modId xmlns:p14="http://schemas.microsoft.com/office/powerpoint/2010/main" val="393809927"/>
               </p:ext>
             </p:extLst>
           </p:nvPr>
@@ -7198,12 +7623,12 @@
           <a:graphicData uri="http://schemas.openxmlformats.org/presentationml/2006/ole">
             <mc:AlternateContent xmlns:mc="http://schemas.openxmlformats.org/markup-compatibility/2006">
               <mc:Choice xmlns:v="urn:schemas-microsoft-com:vml" Requires="v">
-                <p:oleObj spid="_x0000_s1034" name="Document" r:id="rId3" imgW="6819900" imgH="2514600" progId="Word.Document.12">
+                <p:oleObj spid="_x0000_s1043" name="Document" r:id="rId4" imgW="6819900" imgH="2514600" progId="Word.Document.12">
                   <p:embed/>
                 </p:oleObj>
               </mc:Choice>
               <mc:Fallback>
-                <p:oleObj name="Document" r:id="rId3" imgW="6819900" imgH="2514600" progId="Word.Document.12">
+                <p:oleObj name="Document" r:id="rId4" imgW="6819900" imgH="2514600" progId="Word.Document.12">
                   <p:embed/>
                   <p:pic>
                     <p:nvPicPr>
@@ -7212,7 +7637,7 @@
                       <p:nvPr/>
                     </p:nvPicPr>
                     <p:blipFill>
-                      <a:blip r:embed="rId4"/>
+                      <a:blip r:embed="rId5"/>
                       <a:stretch>
                         <a:fillRect/>
                       </a:stretch>
@@ -7265,7 +7690,7 @@
             </a:r>
             <a:r>
               <a:rPr lang="en-US" sz="2400" dirty="0" smtClean="0"/>
-              <a:t>30.8</a:t>
+              <a:t>37.2</a:t>
             </a:r>
           </a:p>
           <a:p>
@@ -7274,7 +7699,7 @@
           <a:p>
             <a:r>
               <a:rPr lang="en-US" sz="2400" b="1" dirty="0" smtClean="0"/>
-              <a:t>Team Velocity = 30.8 points / iteration</a:t>
+              <a:t>Team Velocity = 37.2 points / iteration</a:t>
             </a:r>
             <a:endParaRPr lang="en-US" sz="2400" b="1" dirty="0"/>
           </a:p>
@@ -7380,30 +7805,6 @@
           </a:p>
         </p:txBody>
       </p:sp>
-      <p:pic>
-        <p:nvPicPr>
-          <p:cNvPr id="6" name="Picture 5"/>
-          <p:cNvPicPr>
-            <a:picLocks noChangeAspect="1"/>
-          </p:cNvPicPr>
-          <p:nvPr/>
-        </p:nvPicPr>
-        <p:blipFill>
-          <a:blip r:embed="rId2"/>
-          <a:stretch>
-            <a:fillRect/>
-          </a:stretch>
-        </p:blipFill>
-        <p:spPr>
-          <a:xfrm>
-            <a:off x="596900" y="1524000"/>
-            <a:ext cx="7899400" cy="3949700"/>
-          </a:xfrm>
-          <a:prstGeom prst="rect">
-            <a:avLst/>
-          </a:prstGeom>
-        </p:spPr>
-      </p:pic>
       <p:sp>
         <p:nvSpPr>
           <p:cNvPr id="7" name="TextBox 6"/>
@@ -7428,7 +7829,7 @@
           <a:p>
             <a:r>
               <a:rPr lang="en-US" dirty="0" smtClean="0"/>
-              <a:t>Based on Projected Velocity Team is predicted to complete 304 / 360 points</a:t>
+              <a:t>Based on Projected Velocity Team is predicted to complete 372 / 395 points</a:t>
             </a:r>
           </a:p>
           <a:p>
@@ -7440,6 +7841,30 @@
           </a:p>
         </p:txBody>
       </p:sp>
+      <p:graphicFrame>
+        <p:nvGraphicFramePr>
+          <p:cNvPr id="8" name="Chart 7"/>
+          <p:cNvGraphicFramePr>
+            <a:graphicFrameLocks/>
+          </p:cNvGraphicFramePr>
+          <p:nvPr>
+            <p:extLst>
+              <p:ext uri="{D42A27DB-BD31-4B8C-83A1-F6EECF244321}">
+                <p14:modId xmlns:p14="http://schemas.microsoft.com/office/powerpoint/2010/main" val="678673392"/>
+              </p:ext>
+            </p:extLst>
+          </p:nvPr>
+        </p:nvGraphicFramePr>
+        <p:xfrm>
+          <a:off x="673100" y="1524000"/>
+          <a:ext cx="7315200" cy="3962400"/>
+        </p:xfrm>
+        <a:graphic>
+          <a:graphicData uri="http://schemas.openxmlformats.org/drawingml/2006/chart">
+            <c:chart xmlns:c="http://schemas.openxmlformats.org/drawingml/2006/chart" xmlns:r="http://schemas.openxmlformats.org/officeDocument/2006/relationships" r:id="rId2"/>
+          </a:graphicData>
+        </a:graphic>
+      </p:graphicFrame>
     </p:spTree>
     <p:extLst>
       <p:ext uri="{BB962C8B-B14F-4D97-AF65-F5344CB8AC3E}">
@@ -7546,7 +7971,7 @@
           <p:nvPr>
             <p:extLst>
               <p:ext uri="{D42A27DB-BD31-4B8C-83A1-F6EECF244321}">
-                <p14:modId xmlns:p14="http://schemas.microsoft.com/office/powerpoint/2010/main" val="11133582"/>
+                <p14:modId xmlns:p14="http://schemas.microsoft.com/office/powerpoint/2010/main" val="2406443130"/>
               </p:ext>
             </p:extLst>
           </p:nvPr>
@@ -7796,13 +8221,19 @@
                           <a:ea typeface="+mn-ea"/>
                           <a:cs typeface="+mn-cs"/>
                         </a:rPr>
-                        <a:t>In Progress</a:t>
+                        <a:t>Initial</a:t>
                       </a:r>
                       <a:r>
-                        <a:rPr lang="en-US" dirty="0" smtClean="0">
+                        <a:rPr lang="en-US" sz="1800" kern="1200" baseline="0" dirty="0" smtClean="0">
+                          <a:solidFill>
+                            <a:schemeClr val="dk1"/>
+                          </a:solidFill>
                           <a:effectLst/>
+                          <a:latin typeface="+mn-lt"/>
+                          <a:ea typeface="+mn-ea"/>
+                          <a:cs typeface="+mn-cs"/>
                         </a:rPr>
-                        <a:t> </a:t>
+                        <a:t> Version Complete</a:t>
                       </a:r>
                       <a:endParaRPr lang="en-US" dirty="0"/>
                     </a:p>
@@ -8171,7 +8602,7 @@
             </a:pPr>
             <a:r>
               <a:rPr lang="en-US" sz="2400" dirty="0" smtClean="0"/>
-              <a:t>Heat Maps</a:t>
+              <a:t>Plate Map Editor</a:t>
             </a:r>
           </a:p>
           <a:p>
@@ -8188,7 +8619,7 @@
             </a:pPr>
             <a:r>
               <a:rPr lang="en-US" sz="2400" dirty="0" smtClean="0"/>
-              <a:t>Omni Map</a:t>
+              <a:t>Heat Maps</a:t>
             </a:r>
           </a:p>
           <a:p>
@@ -8205,9 +8636,33 @@
             </a:pPr>
             <a:r>
               <a:rPr lang="en-US" sz="2400" dirty="0" smtClean="0"/>
+              <a:t>Omni Map</a:t>
+            </a:r>
+          </a:p>
+          <a:p>
+            <a:pPr>
+              <a:buSzPct val="45000"/>
+            </a:pPr>
+            <a:endParaRPr lang="en-US" sz="2400" dirty="0" smtClean="0"/>
+          </a:p>
+          <a:p>
+            <a:pPr marL="342900" indent="-342900">
+              <a:buSzPct val="45000"/>
+              <a:buFont typeface="Arial"/>
+              <a:buChar char="•"/>
+            </a:pPr>
+            <a:r>
+              <a:rPr lang="en-US" sz="2400" dirty="0" smtClean="0"/>
               <a:t>Control Wells</a:t>
             </a:r>
-            <a:endParaRPr sz="2400" dirty="0"/>
+          </a:p>
+          <a:p>
+            <a:pPr marL="342900" indent="-342900">
+              <a:buSzPct val="45000"/>
+              <a:buFont typeface="Arial"/>
+              <a:buChar char="•"/>
+            </a:pPr>
+            <a:endParaRPr lang="en-US" sz="2400" dirty="0"/>
           </a:p>
         </p:txBody>
       </p:sp>

--- a/docs/Presentations/WestEastMilestone2Presentation_v1.pptx
+++ b/docs/Presentations/WestEastMilestone2Presentation_v1.pptx
@@ -19,7 +19,8 @@
     <p:sldId id="289" r:id="rId13"/>
     <p:sldId id="277" r:id="rId14"/>
     <p:sldId id="287" r:id="rId15"/>
-    <p:sldId id="264" r:id="rId16"/>
+    <p:sldId id="290" r:id="rId16"/>
+    <p:sldId id="264" r:id="rId17"/>
   </p:sldIdLst>
   <p:sldSz cx="9144000" cy="6858000" type="screen4x3"/>
   <p:notesSz cx="6858000" cy="9144000"/>
@@ -485,11 +486,11 @@
           <c:showPercent val="0"/>
           <c:showBubbleSize val="0"/>
         </c:dLbls>
-        <c:axId val="2079999080"/>
-        <c:axId val="-2130634488"/>
+        <c:axId val="-2125553368"/>
+        <c:axId val="-2125889912"/>
       </c:scatterChart>
       <c:valAx>
-        <c:axId val="2079999080"/>
+        <c:axId val="-2125553368"/>
         <c:scaling>
           <c:orientation val="minMax"/>
           <c:max val="10.0"/>
@@ -520,12 +521,12 @@
         <c:majorTickMark val="out"/>
         <c:minorTickMark val="none"/>
         <c:tickLblPos val="nextTo"/>
-        <c:crossAx val="-2130634488"/>
+        <c:crossAx val="-2125889912"/>
         <c:crosses val="autoZero"/>
         <c:crossBetween val="midCat"/>
       </c:valAx>
       <c:valAx>
-        <c:axId val="-2130634488"/>
+        <c:axId val="-2125889912"/>
         <c:scaling>
           <c:orientation val="minMax"/>
         </c:scaling>
@@ -554,7 +555,7 @@
         <c:majorTickMark val="out"/>
         <c:minorTickMark val="none"/>
         <c:tickLblPos val="nextTo"/>
-        <c:crossAx val="2079999080"/>
+        <c:crossAx val="-2125553368"/>
         <c:crosses val="autoZero"/>
         <c:crossBetween val="midCat"/>
       </c:valAx>
@@ -938,11 +939,11 @@
           <c:showPercent val="0"/>
           <c:showBubbleSize val="0"/>
         </c:dLbls>
-        <c:axId val="-2130446120"/>
-        <c:axId val="-2130635080"/>
+        <c:axId val="-2122575704"/>
+        <c:axId val="-2122443896"/>
       </c:scatterChart>
       <c:valAx>
-        <c:axId val="-2130446120"/>
+        <c:axId val="-2122575704"/>
         <c:scaling>
           <c:orientation val="minMax"/>
           <c:max val="10.0"/>
@@ -973,12 +974,12 @@
         <c:majorTickMark val="out"/>
         <c:minorTickMark val="none"/>
         <c:tickLblPos val="nextTo"/>
-        <c:crossAx val="-2130635080"/>
+        <c:crossAx val="-2122443896"/>
         <c:crosses val="autoZero"/>
         <c:crossBetween val="midCat"/>
       </c:valAx>
       <c:valAx>
-        <c:axId val="-2130635080"/>
+        <c:axId val="-2122443896"/>
         <c:scaling>
           <c:orientation val="minMax"/>
         </c:scaling>
@@ -1007,7 +1008,7 @@
         <c:majorTickMark val="out"/>
         <c:minorTickMark val="none"/>
         <c:tickLblPos val="nextTo"/>
-        <c:crossAx val="-2130446120"/>
+        <c:crossAx val="-2122575704"/>
         <c:crosses val="autoZero"/>
         <c:crossBetween val="midCat"/>
       </c:valAx>
@@ -6754,6 +6755,568 @@
       </p:grpSpPr>
       <p:sp>
         <p:nvSpPr>
+          <p:cNvPr id="156" name="TextShape 1"/>
+          <p:cNvSpPr txBox="1"/>
+          <p:nvPr/>
+        </p:nvSpPr>
+        <p:spPr>
+          <a:xfrm>
+            <a:off x="457200" y="533520"/>
+            <a:ext cx="8229240" cy="990360"/>
+          </a:xfrm>
+          <a:prstGeom prst="rect">
+            <a:avLst/>
+          </a:prstGeom>
+          <a:noFill/>
+          <a:ln>
+            <a:noFill/>
+          </a:ln>
+        </p:spPr>
+        <p:txBody>
+          <a:bodyPr anchor="ctr"/>
+          <a:lstStyle/>
+          <a:p>
+            <a:pPr>
+              <a:lnSpc>
+                <a:spcPct val="100000"/>
+              </a:lnSpc>
+            </a:pPr>
+            <a:r>
+              <a:rPr lang="en-US" sz="4000" dirty="0" smtClean="0">
+                <a:solidFill>
+                  <a:srgbClr val="D2533C"/>
+                </a:solidFill>
+                <a:latin typeface="Arial"/>
+              </a:rPr>
+              <a:t>Testing Strategy – </a:t>
+            </a:r>
+            <a:r>
+              <a:rPr lang="en-US" sz="4000" dirty="0" smtClean="0">
+                <a:solidFill>
+                  <a:srgbClr val="D2533C"/>
+                </a:solidFill>
+                <a:latin typeface="Arial"/>
+              </a:rPr>
+              <a:t>Front End</a:t>
+            </a:r>
+            <a:endParaRPr dirty="0"/>
+          </a:p>
+        </p:txBody>
+      </p:sp>
+      <p:sp>
+        <p:nvSpPr>
+          <p:cNvPr id="157" name="TextShape 2"/>
+          <p:cNvSpPr txBox="1"/>
+          <p:nvPr/>
+        </p:nvSpPr>
+        <p:spPr>
+          <a:xfrm>
+            <a:off x="457200" y="1600200"/>
+            <a:ext cx="8229240" cy="4572000"/>
+          </a:xfrm>
+          <a:prstGeom prst="rect">
+            <a:avLst/>
+          </a:prstGeom>
+          <a:noFill/>
+          <a:ln>
+            <a:noFill/>
+          </a:ln>
+        </p:spPr>
+        <p:txBody>
+          <a:bodyPr/>
+          <a:lstStyle/>
+          <a:p>
+            <a:pPr marL="457200" indent="-457200">
+              <a:buFont typeface="Arial"/>
+              <a:buChar char="•"/>
+            </a:pPr>
+            <a:endParaRPr lang="en-US" sz="2400" dirty="0"/>
+          </a:p>
+        </p:txBody>
+      </p:sp>
+      <p:sp>
+        <p:nvSpPr>
+          <p:cNvPr id="4" name="Shape 34"/>
+          <p:cNvSpPr txBox="1"/>
+          <p:nvPr/>
+        </p:nvSpPr>
+        <p:spPr>
+          <a:xfrm>
+            <a:off x="457200" y="1523880"/>
+            <a:ext cx="8364900" cy="967800"/>
+          </a:xfrm>
+          <a:prstGeom prst="rect">
+            <a:avLst/>
+          </a:prstGeom>
+          <a:noFill/>
+          <a:ln>
+            <a:noFill/>
+          </a:ln>
+        </p:spPr>
+        <p:txBody>
+          <a:bodyPr lIns="91425" tIns="91425" rIns="91425" bIns="91425" anchor="ctr" anchorCtr="0">
+            <a:noAutofit/>
+          </a:bodyPr>
+          <a:lstStyle/>
+          <a:p>
+            <a:pPr lvl="0" rtl="0">
+              <a:spcBef>
+                <a:spcPts val="0"/>
+              </a:spcBef>
+              <a:buNone/>
+            </a:pPr>
+            <a:r>
+              <a:rPr lang="en" sz="2400" dirty="0">
+                <a:solidFill>
+                  <a:schemeClr val="dk1"/>
+                </a:solidFill>
+              </a:rPr>
+              <a:t>For the frontend testing, we use the following tools:</a:t>
+            </a:r>
+          </a:p>
+        </p:txBody>
+      </p:sp>
+      <p:sp>
+        <p:nvSpPr>
+          <p:cNvPr id="7" name="Shape 31"/>
+          <p:cNvSpPr txBox="1">
+            <a:spLocks/>
+          </p:cNvSpPr>
+          <p:nvPr/>
+        </p:nvSpPr>
+        <p:spPr>
+          <a:xfrm>
+            <a:off x="2496400" y="2395600"/>
+            <a:ext cx="6296399" cy="3446400"/>
+          </a:xfrm>
+          <a:prstGeom prst="rect">
+            <a:avLst/>
+          </a:prstGeom>
+        </p:spPr>
+        <p:txBody>
+          <a:bodyPr lIns="91425" tIns="91425" rIns="91425" bIns="91425" anchor="t" anchorCtr="0">
+            <a:noAutofit/>
+          </a:bodyPr>
+          <a:lstStyle>
+            <a:lvl1pPr marL="182880" indent="-182880" algn="l" defTabSz="914400" rtl="0" eaLnBrk="1" latinLnBrk="0" hangingPunct="1">
+              <a:spcBef>
+                <a:spcPct val="20000"/>
+              </a:spcBef>
+              <a:buClr>
+                <a:schemeClr val="accent1"/>
+              </a:buClr>
+              <a:buSzPct val="85000"/>
+              <a:buFont typeface="Arial" pitchFamily="34" charset="0"/>
+              <a:buChar char="•"/>
+              <a:defRPr sz="2400" kern="1200">
+                <a:solidFill>
+                  <a:schemeClr val="tx1"/>
+                </a:solidFill>
+                <a:latin typeface="+mn-lt"/>
+                <a:ea typeface="+mn-ea"/>
+                <a:cs typeface="+mn-cs"/>
+              </a:defRPr>
+            </a:lvl1pPr>
+            <a:lvl2pPr marL="457200" indent="-182880" algn="l" defTabSz="914400" rtl="0" eaLnBrk="1" latinLnBrk="0" hangingPunct="1">
+              <a:spcBef>
+                <a:spcPct val="20000"/>
+              </a:spcBef>
+              <a:buClr>
+                <a:schemeClr val="accent1"/>
+              </a:buClr>
+              <a:buSzPct val="85000"/>
+              <a:buFont typeface="Arial" pitchFamily="34" charset="0"/>
+              <a:buChar char="•"/>
+              <a:defRPr sz="2000" kern="1200">
+                <a:solidFill>
+                  <a:schemeClr val="tx1"/>
+                </a:solidFill>
+                <a:latin typeface="+mn-lt"/>
+                <a:ea typeface="+mn-ea"/>
+                <a:cs typeface="+mn-cs"/>
+              </a:defRPr>
+            </a:lvl2pPr>
+            <a:lvl3pPr marL="731520" indent="-182880" algn="l" defTabSz="914400" rtl="0" eaLnBrk="1" latinLnBrk="0" hangingPunct="1">
+              <a:spcBef>
+                <a:spcPct val="20000"/>
+              </a:spcBef>
+              <a:buClr>
+                <a:schemeClr val="accent1"/>
+              </a:buClr>
+              <a:buSzPct val="90000"/>
+              <a:buFont typeface="Arial" pitchFamily="34" charset="0"/>
+              <a:buChar char="•"/>
+              <a:defRPr sz="1800" kern="1200">
+                <a:solidFill>
+                  <a:schemeClr val="tx1"/>
+                </a:solidFill>
+                <a:latin typeface="+mn-lt"/>
+                <a:ea typeface="+mn-ea"/>
+                <a:cs typeface="+mn-cs"/>
+              </a:defRPr>
+            </a:lvl3pPr>
+            <a:lvl4pPr marL="1005840" indent="-182880" algn="l" defTabSz="914400" rtl="0" eaLnBrk="1" latinLnBrk="0" hangingPunct="1">
+              <a:spcBef>
+                <a:spcPct val="20000"/>
+              </a:spcBef>
+              <a:buClr>
+                <a:schemeClr val="accent1"/>
+              </a:buClr>
+              <a:buFont typeface="Arial" pitchFamily="34" charset="0"/>
+              <a:buChar char="•"/>
+              <a:defRPr sz="1600" kern="1200">
+                <a:solidFill>
+                  <a:schemeClr val="tx1"/>
+                </a:solidFill>
+                <a:latin typeface="+mn-lt"/>
+                <a:ea typeface="+mn-ea"/>
+                <a:cs typeface="+mn-cs"/>
+              </a:defRPr>
+            </a:lvl4pPr>
+            <a:lvl5pPr marL="1188720" indent="-137160" algn="l" defTabSz="914400" rtl="0" eaLnBrk="1" latinLnBrk="0" hangingPunct="1">
+              <a:spcBef>
+                <a:spcPct val="20000"/>
+              </a:spcBef>
+              <a:buClr>
+                <a:schemeClr val="accent1"/>
+              </a:buClr>
+              <a:buSzPct val="100000"/>
+              <a:buFont typeface="Arial" pitchFamily="34" charset="0"/>
+              <a:buChar char="•"/>
+              <a:defRPr sz="1400" kern="1200" baseline="0">
+                <a:solidFill>
+                  <a:schemeClr val="tx1"/>
+                </a:solidFill>
+                <a:latin typeface="+mn-lt"/>
+                <a:ea typeface="+mn-ea"/>
+                <a:cs typeface="+mn-cs"/>
+              </a:defRPr>
+            </a:lvl5pPr>
+            <a:lvl6pPr marL="1371600" indent="-182880" algn="l" defTabSz="914400" rtl="0" eaLnBrk="1" latinLnBrk="0" hangingPunct="1">
+              <a:spcBef>
+                <a:spcPct val="20000"/>
+              </a:spcBef>
+              <a:buClr>
+                <a:schemeClr val="accent1"/>
+              </a:buClr>
+              <a:buFont typeface="Arial" pitchFamily="34" charset="0"/>
+              <a:buChar char="•"/>
+              <a:defRPr sz="1300" kern="1200">
+                <a:solidFill>
+                  <a:schemeClr val="tx1"/>
+                </a:solidFill>
+                <a:latin typeface="+mn-lt"/>
+                <a:ea typeface="+mn-ea"/>
+                <a:cs typeface="+mn-cs"/>
+              </a:defRPr>
+            </a:lvl6pPr>
+            <a:lvl7pPr marL="1554480" indent="-182880" algn="l" defTabSz="914400" rtl="0" eaLnBrk="1" latinLnBrk="0" hangingPunct="1">
+              <a:spcBef>
+                <a:spcPct val="20000"/>
+              </a:spcBef>
+              <a:buClr>
+                <a:schemeClr val="accent1"/>
+              </a:buClr>
+              <a:buFont typeface="Arial" pitchFamily="34" charset="0"/>
+              <a:buChar char="•"/>
+              <a:defRPr sz="1300" kern="1200">
+                <a:solidFill>
+                  <a:schemeClr val="tx1"/>
+                </a:solidFill>
+                <a:latin typeface="+mn-lt"/>
+                <a:ea typeface="+mn-ea"/>
+                <a:cs typeface="+mn-cs"/>
+              </a:defRPr>
+            </a:lvl7pPr>
+            <a:lvl8pPr marL="1737360" indent="-182880" algn="l" defTabSz="914400" rtl="0" eaLnBrk="1" latinLnBrk="0" hangingPunct="1">
+              <a:spcBef>
+                <a:spcPct val="20000"/>
+              </a:spcBef>
+              <a:buClr>
+                <a:schemeClr val="accent1"/>
+              </a:buClr>
+              <a:buFont typeface="Arial" pitchFamily="34" charset="0"/>
+              <a:buChar char="•"/>
+              <a:defRPr sz="1300" kern="1200">
+                <a:solidFill>
+                  <a:schemeClr val="tx1"/>
+                </a:solidFill>
+                <a:latin typeface="+mn-lt"/>
+                <a:ea typeface="+mn-ea"/>
+                <a:cs typeface="+mn-cs"/>
+              </a:defRPr>
+            </a:lvl8pPr>
+            <a:lvl9pPr marL="1920240" indent="-182880" algn="l" defTabSz="914400" rtl="0" eaLnBrk="1" latinLnBrk="0" hangingPunct="1">
+              <a:spcBef>
+                <a:spcPct val="20000"/>
+              </a:spcBef>
+              <a:buClr>
+                <a:schemeClr val="accent1"/>
+              </a:buClr>
+              <a:buFont typeface="Arial" pitchFamily="34" charset="0"/>
+              <a:buChar char="•"/>
+              <a:defRPr sz="1300" kern="1200">
+                <a:solidFill>
+                  <a:schemeClr val="tx1"/>
+                </a:solidFill>
+                <a:latin typeface="+mn-lt"/>
+                <a:ea typeface="+mn-ea"/>
+                <a:cs typeface="+mn-cs"/>
+              </a:defRPr>
+            </a:lvl9pPr>
+          </a:lstStyle>
+          <a:p>
+            <a:pPr>
+              <a:spcBef>
+                <a:spcPts val="0"/>
+              </a:spcBef>
+              <a:buFont typeface="Arial" pitchFamily="34" charset="0"/>
+              <a:buNone/>
+            </a:pPr>
+            <a:r>
+              <a:rPr lang="en" b="1" dirty="0" smtClean="0"/>
+              <a:t>Karma </a:t>
+            </a:r>
+            <a:r>
+              <a:rPr lang="en" dirty="0" smtClean="0"/>
+              <a:t>- Javascript test runner</a:t>
+            </a:r>
+          </a:p>
+          <a:p>
+            <a:pPr>
+              <a:spcBef>
+                <a:spcPts val="0"/>
+              </a:spcBef>
+              <a:buFont typeface="Arial" pitchFamily="34" charset="0"/>
+              <a:buNone/>
+            </a:pPr>
+            <a:endParaRPr lang="en" dirty="0" smtClean="0"/>
+          </a:p>
+          <a:p>
+            <a:pPr>
+              <a:spcBef>
+                <a:spcPts val="0"/>
+              </a:spcBef>
+              <a:buFont typeface="Arial" pitchFamily="34" charset="0"/>
+              <a:buNone/>
+            </a:pPr>
+            <a:r>
+              <a:rPr lang="en" b="1" dirty="0" smtClean="0"/>
+              <a:t>PhantomJS </a:t>
+            </a:r>
+            <a:r>
+              <a:rPr lang="en" dirty="0" smtClean="0"/>
+              <a:t>- headless browser written in javascript</a:t>
+            </a:r>
+          </a:p>
+          <a:p>
+            <a:pPr>
+              <a:spcBef>
+                <a:spcPts val="0"/>
+              </a:spcBef>
+              <a:buFont typeface="Arial" pitchFamily="34" charset="0"/>
+              <a:buNone/>
+            </a:pPr>
+            <a:endParaRPr lang="en" dirty="0" smtClean="0"/>
+          </a:p>
+          <a:p>
+            <a:pPr>
+              <a:spcBef>
+                <a:spcPts val="0"/>
+              </a:spcBef>
+              <a:buFont typeface="Arial" pitchFamily="34" charset="0"/>
+              <a:buNone/>
+            </a:pPr>
+            <a:r>
+              <a:rPr lang="en" b="1" dirty="0" smtClean="0"/>
+              <a:t>Jasmine </a:t>
+            </a:r>
+            <a:r>
+              <a:rPr lang="en" dirty="0" smtClean="0"/>
+              <a:t>- behavior-driven development framework for testing JavaScript</a:t>
+            </a:r>
+          </a:p>
+          <a:p>
+            <a:pPr>
+              <a:spcBef>
+                <a:spcPts val="0"/>
+              </a:spcBef>
+              <a:buClr>
+                <a:schemeClr val="dk1"/>
+              </a:buClr>
+              <a:buFont typeface="Arial"/>
+              <a:buNone/>
+            </a:pPr>
+            <a:endParaRPr lang="en" dirty="0" smtClean="0"/>
+          </a:p>
+          <a:p>
+            <a:pPr>
+              <a:spcBef>
+                <a:spcPts val="0"/>
+              </a:spcBef>
+              <a:buFont typeface="Arial" pitchFamily="34" charset="0"/>
+              <a:buNone/>
+            </a:pPr>
+            <a:r>
+              <a:rPr lang="en" i="1" dirty="0" smtClean="0"/>
+              <a:t>(Currently have 37 test cases defined)</a:t>
+            </a:r>
+          </a:p>
+          <a:p>
+            <a:pPr>
+              <a:spcBef>
+                <a:spcPts val="0"/>
+              </a:spcBef>
+              <a:buFont typeface="Arial" pitchFamily="34" charset="0"/>
+              <a:buNone/>
+            </a:pPr>
+            <a:endParaRPr lang="en" dirty="0"/>
+          </a:p>
+        </p:txBody>
+      </p:sp>
+      <p:pic>
+        <p:nvPicPr>
+          <p:cNvPr id="8" name="Shape 32"/>
+          <p:cNvPicPr preferRelativeResize="0"/>
+          <p:nvPr/>
+        </p:nvPicPr>
+        <p:blipFill>
+          <a:blip r:embed="rId2">
+            <a:alphaModFix/>
+          </a:blip>
+          <a:stretch>
+            <a:fillRect/>
+          </a:stretch>
+        </p:blipFill>
+        <p:spPr>
+          <a:xfrm>
+            <a:off x="256037" y="2395600"/>
+            <a:ext cx="1889925" cy="638175"/>
+          </a:xfrm>
+          <a:prstGeom prst="rect">
+            <a:avLst/>
+          </a:prstGeom>
+          <a:noFill/>
+          <a:ln>
+            <a:noFill/>
+          </a:ln>
+        </p:spPr>
+      </p:pic>
+      <p:pic>
+        <p:nvPicPr>
+          <p:cNvPr id="9" name="Shape 33"/>
+          <p:cNvPicPr preferRelativeResize="0"/>
+          <p:nvPr/>
+        </p:nvPicPr>
+        <p:blipFill>
+          <a:blip r:embed="rId3">
+            <a:alphaModFix/>
+          </a:blip>
+          <a:stretch>
+            <a:fillRect/>
+          </a:stretch>
+        </p:blipFill>
+        <p:spPr>
+          <a:xfrm>
+            <a:off x="210400" y="3276600"/>
+            <a:ext cx="2286000" cy="762000"/>
+          </a:xfrm>
+          <a:prstGeom prst="rect">
+            <a:avLst/>
+          </a:prstGeom>
+          <a:noFill/>
+          <a:ln>
+            <a:noFill/>
+          </a:ln>
+        </p:spPr>
+      </p:pic>
+      <p:pic>
+        <p:nvPicPr>
+          <p:cNvPr id="10" name="Shape 35"/>
+          <p:cNvPicPr preferRelativeResize="0"/>
+          <p:nvPr/>
+        </p:nvPicPr>
+        <p:blipFill>
+          <a:blip r:embed="rId4">
+            <a:alphaModFix/>
+          </a:blip>
+          <a:stretch>
+            <a:fillRect/>
+          </a:stretch>
+        </p:blipFill>
+        <p:spPr>
+          <a:xfrm>
+            <a:off x="142300" y="4366375"/>
+            <a:ext cx="2354100" cy="587624"/>
+          </a:xfrm>
+          <a:prstGeom prst="rect">
+            <a:avLst/>
+          </a:prstGeom>
+          <a:noFill/>
+          <a:ln>
+            <a:noFill/>
+          </a:ln>
+        </p:spPr>
+      </p:pic>
+    </p:spTree>
+    <p:extLst>
+      <p:ext uri="{BB962C8B-B14F-4D97-AF65-F5344CB8AC3E}">
+        <p14:creationId xmlns:p14="http://schemas.microsoft.com/office/powerpoint/2010/main" val="2048957708"/>
+      </p:ext>
+    </p:extLst>
+  </p:cSld>
+  <p:clrMapOvr>
+    <a:masterClrMapping/>
+  </p:clrMapOvr>
+  <p:timing>
+    <p:tnLst>
+      <p:par>
+        <p:cTn xmlns:p14="http://schemas.microsoft.com/office/powerpoint/2010/main" id="1" dur="indefinite" restart="never" nodeType="tmRoot">
+          <p:childTnLst>
+            <p:seq>
+              <p:cTn id="2" nodeType="mainSeq"/>
+              <p:prevCondLst>
+                <p:cond evt="onPrev" delay="0">
+                  <p:tgtEl>
+                    <p:sldTgt/>
+                  </p:tgtEl>
+                </p:cond>
+              </p:prevCondLst>
+              <p:nextCondLst>
+                <p:cond evt="onNext" delay="0">
+                  <p:tgtEl>
+                    <p:sldTgt/>
+                  </p:tgtEl>
+                </p:cond>
+              </p:nextCondLst>
+            </p:seq>
+          </p:childTnLst>
+        </p:cTn>
+      </p:par>
+    </p:tnLst>
+  </p:timing>
+</p:sld>
+</file>
+
+<file path=ppt/slides/slide16.xml><?xml version="1.0" encoding="utf-8"?>
+<p:sld xmlns:a="http://schemas.openxmlformats.org/drawingml/2006/main" xmlns:r="http://schemas.openxmlformats.org/officeDocument/2006/relationships" xmlns:p="http://schemas.openxmlformats.org/presentationml/2006/main">
+  <p:cSld>
+    <p:spTree>
+      <p:nvGrpSpPr>
+        <p:cNvPr id="1" name=""/>
+        <p:cNvGrpSpPr/>
+        <p:nvPr/>
+      </p:nvGrpSpPr>
+      <p:grpSpPr>
+        <a:xfrm>
+          <a:off x="0" y="0"/>
+          <a:ext cx="0" cy="0"/>
+          <a:chOff x="0" y="0"/>
+          <a:chExt cx="0" cy="0"/>
+        </a:xfrm>
+      </p:grpSpPr>
+      <p:sp>
+        <p:nvSpPr>
           <p:cNvPr id="2" name="Title 1"/>
           <p:cNvSpPr>
             <a:spLocks noGrp="1"/>
@@ -7623,7 +8186,7 @@
           <a:graphicData uri="http://schemas.openxmlformats.org/presentationml/2006/ole">
             <mc:AlternateContent xmlns:mc="http://schemas.openxmlformats.org/markup-compatibility/2006">
               <mc:Choice xmlns:v="urn:schemas-microsoft-com:vml" Requires="v">
-                <p:oleObj spid="_x0000_s1043" name="Document" r:id="rId4" imgW="6819900" imgH="2514600" progId="Word.Document.12">
+                <p:oleObj spid="_x0000_s1045" name="Document" r:id="rId4" imgW="6819900" imgH="2514600" progId="Word.Document.12">
                   <p:embed/>
                 </p:oleObj>
               </mc:Choice>

--- a/docs/Presentations/WestEastMilestone2Presentation_v1.pptx
+++ b/docs/Presentations/WestEastMilestone2Presentation_v1.pptx
@@ -486,11 +486,11 @@
           <c:showPercent val="0"/>
           <c:showBubbleSize val="0"/>
         </c:dLbls>
-        <c:axId val="-2125553368"/>
-        <c:axId val="-2125889912"/>
+        <c:axId val="-2135739080"/>
+        <c:axId val="2115892392"/>
       </c:scatterChart>
       <c:valAx>
-        <c:axId val="-2125553368"/>
+        <c:axId val="-2135739080"/>
         <c:scaling>
           <c:orientation val="minMax"/>
           <c:max val="10.0"/>
@@ -521,12 +521,12 @@
         <c:majorTickMark val="out"/>
         <c:minorTickMark val="none"/>
         <c:tickLblPos val="nextTo"/>
-        <c:crossAx val="-2125889912"/>
+        <c:crossAx val="2115892392"/>
         <c:crosses val="autoZero"/>
         <c:crossBetween val="midCat"/>
       </c:valAx>
       <c:valAx>
-        <c:axId val="-2125889912"/>
+        <c:axId val="2115892392"/>
         <c:scaling>
           <c:orientation val="minMax"/>
         </c:scaling>
@@ -555,7 +555,7 @@
         <c:majorTickMark val="out"/>
         <c:minorTickMark val="none"/>
         <c:tickLblPos val="nextTo"/>
-        <c:crossAx val="-2125553368"/>
+        <c:crossAx val="-2135739080"/>
         <c:crosses val="autoZero"/>
         <c:crossBetween val="midCat"/>
       </c:valAx>
@@ -939,11 +939,11 @@
           <c:showPercent val="0"/>
           <c:showBubbleSize val="0"/>
         </c:dLbls>
-        <c:axId val="-2122575704"/>
-        <c:axId val="-2122443896"/>
+        <c:axId val="-2130473496"/>
+        <c:axId val="-2128926888"/>
       </c:scatterChart>
       <c:valAx>
-        <c:axId val="-2122575704"/>
+        <c:axId val="-2130473496"/>
         <c:scaling>
           <c:orientation val="minMax"/>
           <c:max val="10.0"/>
@@ -974,12 +974,12 @@
         <c:majorTickMark val="out"/>
         <c:minorTickMark val="none"/>
         <c:tickLblPos val="nextTo"/>
-        <c:crossAx val="-2122443896"/>
+        <c:crossAx val="-2128926888"/>
         <c:crosses val="autoZero"/>
         <c:crossBetween val="midCat"/>
       </c:valAx>
       <c:valAx>
-        <c:axId val="-2122443896"/>
+        <c:axId val="-2128926888"/>
         <c:scaling>
           <c:orientation val="minMax"/>
         </c:scaling>
@@ -1008,7 +1008,7 @@
         <c:majorTickMark val="out"/>
         <c:minorTickMark val="none"/>
         <c:tickLblPos val="nextTo"/>
-        <c:crossAx val="-2122575704"/>
+        <c:crossAx val="-2130473496"/>
         <c:crosses val="autoZero"/>
         <c:crossBetween val="midCat"/>
       </c:valAx>
@@ -1216,7 +1216,7 @@
           <a:p>
             <a:fld id="{C8A432C8-69A7-458B-9684-2BFA64B31948}" type="datetime2">
               <a:rPr lang="en-US" smtClean="0"/>
-              <a:t>Wednesday, April 8, 15</a:t>
+              <a:t>Thursday, April 9, 15</a:t>
             </a:fld>
             <a:endParaRPr lang="en-US" dirty="0"/>
           </a:p>
@@ -1418,7 +1418,7 @@
           <a:p>
             <a:fld id="{8CC057FC-95B6-4D89-AFDA-ABA33EE921E5}" type="datetime2">
               <a:rPr lang="en-US" smtClean="0"/>
-              <a:t>Wednesday, April 8, 15</a:t>
+              <a:t>Thursday, April 9, 15</a:t>
             </a:fld>
             <a:endParaRPr lang="en-US" dirty="0"/>
           </a:p>
@@ -1595,7 +1595,7 @@
           <a:p>
             <a:fld id="{EC4549AC-EB31-477F-92A9-B1988E232878}" type="datetime2">
               <a:rPr lang="en-US" smtClean="0"/>
-              <a:t>Wednesday, April 8, 15</a:t>
+              <a:t>Thursday, April 9, 15</a:t>
             </a:fld>
             <a:endParaRPr lang="en-US" dirty="0"/>
           </a:p>
@@ -1762,7 +1762,7 @@
           <a:p>
             <a:fld id="{6396A3A3-94A6-4E5B-AF39-173ACA3E61CC}" type="datetime2">
               <a:rPr lang="en-US" smtClean="0"/>
-              <a:t>Wednesday, April 8, 15</a:t>
+              <a:t>Thursday, April 9, 15</a:t>
             </a:fld>
             <a:endParaRPr lang="en-US" dirty="0"/>
           </a:p>
@@ -2012,7 +2012,7 @@
           <a:p>
             <a:fld id="{9933D019-A32C-4EAD-B8E6-DBDA699692FD}" type="datetime2">
               <a:rPr lang="en-US" smtClean="0"/>
-              <a:t>Wednesday, April 8, 15</a:t>
+              <a:t>Thursday, April 9, 15</a:t>
             </a:fld>
             <a:endParaRPr lang="en-US" dirty="0"/>
           </a:p>
@@ -2332,7 +2332,7 @@
           <a:p>
             <a:fld id="{CCEBA98F-560C-4997-81C4-81D4D9187EAB}" type="datetime2">
               <a:rPr lang="en-US" smtClean="0"/>
-              <a:t>Wednesday, April 8, 15</a:t>
+              <a:t>Thursday, April 9, 15</a:t>
             </a:fld>
             <a:endParaRPr lang="en-US" dirty="0"/>
           </a:p>
@@ -2800,7 +2800,7 @@
           <a:p>
             <a:fld id="{150972B2-CA5C-437D-87D0-8081271A9E4B}" type="datetime2">
               <a:rPr lang="en-US" smtClean="0"/>
-              <a:t>Wednesday, April 8, 15</a:t>
+              <a:t>Thursday, April 9, 15</a:t>
             </a:fld>
             <a:endParaRPr lang="en-US" dirty="0"/>
           </a:p>
@@ -2950,7 +2950,7 @@
           <a:p>
             <a:fld id="{79CD4847-11EF-4466-A8AD-85CDB7B49118}" type="datetime2">
               <a:rPr lang="en-US" smtClean="0"/>
-              <a:t>Wednesday, April 8, 15</a:t>
+              <a:t>Thursday, April 9, 15</a:t>
             </a:fld>
             <a:endParaRPr lang="en-US" dirty="0"/>
           </a:p>
@@ -3042,7 +3042,7 @@
           <a:p>
             <a:fld id="{F168457A-3AB9-4880-8A0C-9F8524491207}" type="datetime2">
               <a:rPr lang="en-US" smtClean="0"/>
-              <a:t>Wednesday, April 8, 15</a:t>
+              <a:t>Thursday, April 9, 15</a:t>
             </a:fld>
             <a:endParaRPr lang="en-US" dirty="0"/>
           </a:p>
@@ -3318,7 +3318,7 @@
           <a:p>
             <a:fld id="{3FE976D3-5B7F-4300-ABED-C91F1B2AE209}" type="datetime2">
               <a:rPr lang="en-US" smtClean="0"/>
-              <a:t>Wednesday, April 8, 15</a:t>
+              <a:t>Thursday, April 9, 15</a:t>
             </a:fld>
             <a:endParaRPr lang="en-US" dirty="0"/>
           </a:p>
@@ -3625,7 +3625,7 @@
           <a:p>
             <a:fld id="{EBDC1E59-17DD-41CE-97CA-624A472382D4}" type="datetime2">
               <a:rPr lang="en-US" smtClean="0"/>
-              <a:t>Wednesday, April 8, 15</a:t>
+              <a:t>Thursday, April 9, 15</a:t>
             </a:fld>
             <a:endParaRPr lang="en-US" dirty="0"/>
           </a:p>
@@ -3925,7 +3925,7 @@
           <a:p>
             <a:fld id="{A80CB818-7379-467D-8E76-EF9D9074A26C}" type="datetime2">
               <a:rPr lang="en-US" smtClean="0"/>
-              <a:t>Wednesday, April 8, 15</a:t>
+              <a:t>Thursday, April 9, 15</a:t>
             </a:fld>
             <a:endParaRPr lang="en-US" dirty="0"/>
           </a:p>
@@ -4736,7 +4736,7 @@
             </a:pPr>
             <a:r>
               <a:rPr lang="en-US" sz="2400" dirty="0" smtClean="0"/>
-              <a:t>Curve Fitting from Server Side </a:t>
+              <a:t>Curve Fitting resources Server Side </a:t>
             </a:r>
           </a:p>
           <a:p>
@@ -6788,16 +6788,7 @@
                 </a:solidFill>
                 <a:latin typeface="Arial"/>
               </a:rPr>
-              <a:t>Testing Strategy – </a:t>
-            </a:r>
-            <a:r>
-              <a:rPr lang="en-US" sz="4000" dirty="0" smtClean="0">
-                <a:solidFill>
-                  <a:srgbClr val="D2533C"/>
-                </a:solidFill>
-                <a:latin typeface="Arial"/>
-              </a:rPr>
-              <a:t>Front End</a:t>
+              <a:t>Testing Strategy – Front End</a:t>
             </a:r>
             <a:endParaRPr dirty="0"/>
           </a:p>
@@ -8186,7 +8177,7 @@
           <a:graphicData uri="http://schemas.openxmlformats.org/presentationml/2006/ole">
             <mc:AlternateContent xmlns:mc="http://schemas.openxmlformats.org/markup-compatibility/2006">
               <mc:Choice xmlns:v="urn:schemas-microsoft-com:vml" Requires="v">
-                <p:oleObj spid="_x0000_s1045" name="Document" r:id="rId4" imgW="6819900" imgH="2514600" progId="Word.Document.12">
+                <p:oleObj spid="_x0000_s1049" name="Document" r:id="rId4" imgW="6819900" imgH="2514600" progId="Word.Document.12">
                   <p:embed/>
                 </p:oleObj>
               </mc:Choice>
